--- a/安靜(崇拜版).pptx
+++ b/安靜(崇拜版).pptx
@@ -8,7 +8,7 @@
     <p:sldId id="256" r:id="rId2"/>
     <p:sldId id="257" r:id="rId3"/>
   </p:sldIdLst>
-  <p:sldSz cx="9144000" cy="6858000" type="screen4x3"/>
+  <p:sldSz cx="12192000" cy="6858000"/>
   <p:notesSz cx="6858000" cy="9144000"/>
   <p:defaultTextStyle>
     <a:defPPr>
@@ -105,6 +105,22 @@
       </a:defRPr>
     </a:lvl9pPr>
   </p:defaultTextStyle>
+  <p:extLst>
+    <p:ext uri="{EFAFB233-063F-42B5-8137-9DF3F51BA10A}">
+      <p15:sldGuideLst xmlns:p15="http://schemas.microsoft.com/office/powerpoint/2012/main">
+        <p15:guide id="1" orient="horz" pos="2160" userDrawn="1">
+          <p15:clr>
+            <a:srgbClr val="A4A3A4"/>
+          </p15:clr>
+        </p15:guide>
+        <p15:guide id="2" pos="3840" userDrawn="1">
+          <p15:clr>
+            <a:srgbClr val="A4A3A4"/>
+          </p15:clr>
+        </p15:guide>
+      </p15:sldGuideLst>
+    </p:ext>
+  </p:extLst>
 </p:presentation>
 </file>
 
@@ -137,8 +153,8 @@
         </p:nvSpPr>
         <p:spPr>
           <a:xfrm>
-            <a:off x="685800" y="2130425"/>
-            <a:ext cx="7772400" cy="1470025"/>
+            <a:off x="914400" y="2130426"/>
+            <a:ext cx="10363200" cy="1470025"/>
           </a:xfrm>
         </p:spPr>
         <p:txBody>
@@ -165,8 +181,8 @@
         </p:nvSpPr>
         <p:spPr>
           <a:xfrm>
-            <a:off x="1371600" y="3886200"/>
-            <a:ext cx="6400800" cy="1752600"/>
+            <a:off x="1828800" y="3886200"/>
+            <a:ext cx="8534400" cy="1752600"/>
           </a:xfrm>
         </p:spPr>
         <p:txBody>
@@ -289,7 +305,7 @@
           <a:p>
             <a:fld id="{B4A29A6A-427F-4B19-8281-5DE5E0B60C4E}" type="datetimeFigureOut">
               <a:rPr lang="zh-TW" altLang="en-US" smtClean="0"/>
-              <a:t>2017/8/20</a:t>
+              <a:t>2020/4/3</a:t>
             </a:fld>
             <a:endParaRPr lang="zh-TW" altLang="en-US"/>
           </a:p>
@@ -454,7 +470,7 @@
           <a:p>
             <a:fld id="{B4A29A6A-427F-4B19-8281-5DE5E0B60C4E}" type="datetimeFigureOut">
               <a:rPr lang="zh-TW" altLang="en-US" smtClean="0"/>
-              <a:t>2017/8/20</a:t>
+              <a:t>2020/4/3</a:t>
             </a:fld>
             <a:endParaRPr lang="zh-TW" altLang="en-US"/>
           </a:p>
@@ -539,8 +555,8 @@
         </p:nvSpPr>
         <p:spPr>
           <a:xfrm>
-            <a:off x="6629400" y="274638"/>
-            <a:ext cx="2057400" cy="5851525"/>
+            <a:off x="8839200" y="274639"/>
+            <a:ext cx="2743200" cy="5851525"/>
           </a:xfrm>
         </p:spPr>
         <p:txBody>
@@ -567,8 +583,8 @@
         </p:nvSpPr>
         <p:spPr>
           <a:xfrm>
-            <a:off x="457200" y="274638"/>
-            <a:ext cx="6019800" cy="5851525"/>
+            <a:off x="609600" y="274639"/>
+            <a:ext cx="8026400" cy="5851525"/>
           </a:xfrm>
         </p:spPr>
         <p:txBody>
@@ -629,7 +645,7 @@
           <a:p>
             <a:fld id="{B4A29A6A-427F-4B19-8281-5DE5E0B60C4E}" type="datetimeFigureOut">
               <a:rPr lang="zh-TW" altLang="en-US" smtClean="0"/>
-              <a:t>2017/8/20</a:t>
+              <a:t>2020/4/3</a:t>
             </a:fld>
             <a:endParaRPr lang="zh-TW" altLang="en-US"/>
           </a:p>
@@ -794,7 +810,7 @@
           <a:p>
             <a:fld id="{B4A29A6A-427F-4B19-8281-5DE5E0B60C4E}" type="datetimeFigureOut">
               <a:rPr lang="zh-TW" altLang="en-US" smtClean="0"/>
-              <a:t>2017/8/20</a:t>
+              <a:t>2020/4/3</a:t>
             </a:fld>
             <a:endParaRPr lang="zh-TW" altLang="en-US"/>
           </a:p>
@@ -879,8 +895,8 @@
         </p:nvSpPr>
         <p:spPr>
           <a:xfrm>
-            <a:off x="722313" y="4406900"/>
-            <a:ext cx="7772400" cy="1362075"/>
+            <a:off x="963084" y="4406901"/>
+            <a:ext cx="10363200" cy="1362075"/>
           </a:xfrm>
         </p:spPr>
         <p:txBody>
@@ -911,8 +927,8 @@
         </p:nvSpPr>
         <p:spPr>
           <a:xfrm>
-            <a:off x="722313" y="2906713"/>
-            <a:ext cx="7772400" cy="1500187"/>
+            <a:off x="963084" y="2906713"/>
+            <a:ext cx="10363200" cy="1500187"/>
           </a:xfrm>
         </p:spPr>
         <p:txBody>
@@ -1035,7 +1051,7 @@
           <a:p>
             <a:fld id="{B4A29A6A-427F-4B19-8281-5DE5E0B60C4E}" type="datetimeFigureOut">
               <a:rPr lang="zh-TW" altLang="en-US" smtClean="0"/>
-              <a:t>2017/8/20</a:t>
+              <a:t>2020/4/3</a:t>
             </a:fld>
             <a:endParaRPr lang="zh-TW" altLang="en-US"/>
           </a:p>
@@ -1143,8 +1159,8 @@
         </p:nvSpPr>
         <p:spPr>
           <a:xfrm>
-            <a:off x="457200" y="1600200"/>
-            <a:ext cx="4038600" cy="4525963"/>
+            <a:off x="609600" y="1600201"/>
+            <a:ext cx="5384800" cy="4525963"/>
           </a:xfrm>
         </p:spPr>
         <p:txBody>
@@ -1228,8 +1244,8 @@
         </p:nvSpPr>
         <p:spPr>
           <a:xfrm>
-            <a:off x="4648200" y="1600200"/>
-            <a:ext cx="4038600" cy="4525963"/>
+            <a:off x="6197600" y="1600201"/>
+            <a:ext cx="5384800" cy="4525963"/>
           </a:xfrm>
         </p:spPr>
         <p:txBody>
@@ -1318,7 +1334,7 @@
           <a:p>
             <a:fld id="{B4A29A6A-427F-4B19-8281-5DE5E0B60C4E}" type="datetimeFigureOut">
               <a:rPr lang="zh-TW" altLang="en-US" smtClean="0"/>
-              <a:t>2017/8/20</a:t>
+              <a:t>2020/4/3</a:t>
             </a:fld>
             <a:endParaRPr lang="zh-TW" altLang="en-US"/>
           </a:p>
@@ -1430,8 +1446,8 @@
         </p:nvSpPr>
         <p:spPr>
           <a:xfrm>
-            <a:off x="457200" y="1535113"/>
-            <a:ext cx="4040188" cy="639762"/>
+            <a:off x="609600" y="1535113"/>
+            <a:ext cx="5386917" cy="639762"/>
           </a:xfrm>
         </p:spPr>
         <p:txBody>
@@ -1495,8 +1511,8 @@
         </p:nvSpPr>
         <p:spPr>
           <a:xfrm>
-            <a:off x="457200" y="2174875"/>
-            <a:ext cx="4040188" cy="3951288"/>
+            <a:off x="609600" y="2174875"/>
+            <a:ext cx="5386917" cy="3951288"/>
           </a:xfrm>
         </p:spPr>
         <p:txBody>
@@ -1580,8 +1596,8 @@
         </p:nvSpPr>
         <p:spPr>
           <a:xfrm>
-            <a:off x="4645025" y="1535113"/>
-            <a:ext cx="4041775" cy="639762"/>
+            <a:off x="6193368" y="1535113"/>
+            <a:ext cx="5389033" cy="639762"/>
           </a:xfrm>
         </p:spPr>
         <p:txBody>
@@ -1645,8 +1661,8 @@
         </p:nvSpPr>
         <p:spPr>
           <a:xfrm>
-            <a:off x="4645025" y="2174875"/>
-            <a:ext cx="4041775" cy="3951288"/>
+            <a:off x="6193368" y="2174875"/>
+            <a:ext cx="5389033" cy="3951288"/>
           </a:xfrm>
         </p:spPr>
         <p:txBody>
@@ -1735,7 +1751,7 @@
           <a:p>
             <a:fld id="{B4A29A6A-427F-4B19-8281-5DE5E0B60C4E}" type="datetimeFigureOut">
               <a:rPr lang="zh-TW" altLang="en-US" smtClean="0"/>
-              <a:t>2017/8/20</a:t>
+              <a:t>2020/4/3</a:t>
             </a:fld>
             <a:endParaRPr lang="zh-TW" altLang="en-US"/>
           </a:p>
@@ -1848,7 +1864,7 @@
           <a:p>
             <a:fld id="{B4A29A6A-427F-4B19-8281-5DE5E0B60C4E}" type="datetimeFigureOut">
               <a:rPr lang="zh-TW" altLang="en-US" smtClean="0"/>
-              <a:t>2017/8/20</a:t>
+              <a:t>2020/4/3</a:t>
             </a:fld>
             <a:endParaRPr lang="zh-TW" altLang="en-US"/>
           </a:p>
@@ -1938,7 +1954,7 @@
           <a:p>
             <a:fld id="{B4A29A6A-427F-4B19-8281-5DE5E0B60C4E}" type="datetimeFigureOut">
               <a:rPr lang="zh-TW" altLang="en-US" smtClean="0"/>
-              <a:t>2017/8/20</a:t>
+              <a:t>2020/4/3</a:t>
             </a:fld>
             <a:endParaRPr lang="zh-TW" altLang="en-US"/>
           </a:p>
@@ -2023,8 +2039,8 @@
         </p:nvSpPr>
         <p:spPr>
           <a:xfrm>
-            <a:off x="457200" y="273050"/>
-            <a:ext cx="3008313" cy="1162050"/>
+            <a:off x="609601" y="273050"/>
+            <a:ext cx="4011084" cy="1162050"/>
           </a:xfrm>
         </p:spPr>
         <p:txBody>
@@ -2055,8 +2071,8 @@
         </p:nvSpPr>
         <p:spPr>
           <a:xfrm>
-            <a:off x="3575050" y="273050"/>
-            <a:ext cx="5111750" cy="5853113"/>
+            <a:off x="4766733" y="273051"/>
+            <a:ext cx="6815667" cy="5853113"/>
           </a:xfrm>
         </p:spPr>
         <p:txBody>
@@ -2140,8 +2156,8 @@
         </p:nvSpPr>
         <p:spPr>
           <a:xfrm>
-            <a:off x="457200" y="1435100"/>
-            <a:ext cx="3008313" cy="4691063"/>
+            <a:off x="609601" y="1435101"/>
+            <a:ext cx="4011084" cy="4691063"/>
           </a:xfrm>
         </p:spPr>
         <p:txBody>
@@ -2210,7 +2226,7 @@
           <a:p>
             <a:fld id="{B4A29A6A-427F-4B19-8281-5DE5E0B60C4E}" type="datetimeFigureOut">
               <a:rPr lang="zh-TW" altLang="en-US" smtClean="0"/>
-              <a:t>2017/8/20</a:t>
+              <a:t>2020/4/3</a:t>
             </a:fld>
             <a:endParaRPr lang="zh-TW" altLang="en-US"/>
           </a:p>
@@ -2295,8 +2311,8 @@
         </p:nvSpPr>
         <p:spPr>
           <a:xfrm>
-            <a:off x="1792288" y="4800600"/>
-            <a:ext cx="5486400" cy="566738"/>
+            <a:off x="2389717" y="4800600"/>
+            <a:ext cx="7315200" cy="566738"/>
           </a:xfrm>
         </p:spPr>
         <p:txBody>
@@ -2327,8 +2343,8 @@
         </p:nvSpPr>
         <p:spPr>
           <a:xfrm>
-            <a:off x="1792288" y="612775"/>
-            <a:ext cx="5486400" cy="4114800"/>
+            <a:off x="2389717" y="612775"/>
+            <a:ext cx="7315200" cy="4114800"/>
           </a:xfrm>
         </p:spPr>
         <p:txBody>
@@ -2392,8 +2408,8 @@
         </p:nvSpPr>
         <p:spPr>
           <a:xfrm>
-            <a:off x="1792288" y="5367338"/>
-            <a:ext cx="5486400" cy="804862"/>
+            <a:off x="2389717" y="5367338"/>
+            <a:ext cx="7315200" cy="804862"/>
           </a:xfrm>
         </p:spPr>
         <p:txBody>
@@ -2462,7 +2478,7 @@
           <a:p>
             <a:fld id="{B4A29A6A-427F-4B19-8281-5DE5E0B60C4E}" type="datetimeFigureOut">
               <a:rPr lang="zh-TW" altLang="en-US" smtClean="0"/>
-              <a:t>2017/8/20</a:t>
+              <a:t>2020/4/3</a:t>
             </a:fld>
             <a:endParaRPr lang="zh-TW" altLang="en-US"/>
           </a:p>
@@ -2557,8 +2573,8 @@
         </p:nvSpPr>
         <p:spPr>
           <a:xfrm>
-            <a:off x="457200" y="274638"/>
-            <a:ext cx="8229600" cy="1143000"/>
+            <a:off x="609600" y="274638"/>
+            <a:ext cx="10972800" cy="1143000"/>
           </a:xfrm>
           <a:prstGeom prst="rect">
             <a:avLst/>
@@ -2590,8 +2606,8 @@
         </p:nvSpPr>
         <p:spPr>
           <a:xfrm>
-            <a:off x="457200" y="1600200"/>
-            <a:ext cx="8229600" cy="4525963"/>
+            <a:off x="609600" y="1600201"/>
+            <a:ext cx="10972800" cy="4525963"/>
           </a:xfrm>
           <a:prstGeom prst="rect">
             <a:avLst/>
@@ -2652,8 +2668,8 @@
         </p:nvSpPr>
         <p:spPr>
           <a:xfrm>
-            <a:off x="457200" y="6356350"/>
-            <a:ext cx="2133600" cy="365125"/>
+            <a:off x="609600" y="6356351"/>
+            <a:ext cx="2844800" cy="365125"/>
           </a:xfrm>
           <a:prstGeom prst="rect">
             <a:avLst/>
@@ -2675,7 +2691,7 @@
           <a:p>
             <a:fld id="{B4A29A6A-427F-4B19-8281-5DE5E0B60C4E}" type="datetimeFigureOut">
               <a:rPr lang="zh-TW" altLang="en-US" smtClean="0"/>
-              <a:t>2017/8/20</a:t>
+              <a:t>2020/4/3</a:t>
             </a:fld>
             <a:endParaRPr lang="zh-TW" altLang="en-US"/>
           </a:p>
@@ -2693,8 +2709,8 @@
         </p:nvSpPr>
         <p:spPr>
           <a:xfrm>
-            <a:off x="3124200" y="6356350"/>
-            <a:ext cx="2895600" cy="365125"/>
+            <a:off x="4165600" y="6356351"/>
+            <a:ext cx="3860800" cy="365125"/>
           </a:xfrm>
           <a:prstGeom prst="rect">
             <a:avLst/>
@@ -2730,8 +2746,8 @@
         </p:nvSpPr>
         <p:spPr>
           <a:xfrm>
-            <a:off x="6553200" y="6356350"/>
-            <a:ext cx="2133600" cy="365125"/>
+            <a:off x="8737600" y="6356351"/>
+            <a:ext cx="2844800" cy="365125"/>
           </a:xfrm>
           <a:prstGeom prst="rect">
             <a:avLst/>
@@ -3101,7 +3117,7 @@
               <a:buNone/>
             </a:pPr>
             <a:r>
-              <a:rPr lang="zh-TW" altLang="en-US" sz="5400" b="1" dirty="0" smtClean="0">
+              <a:rPr lang="zh-TW" altLang="en-US" sz="5400" b="1" dirty="0">
                 <a:solidFill>
                   <a:srgbClr val="000066"/>
                 </a:solidFill>
@@ -3110,7 +3126,7 @@
               </a:rPr>
               <a:t>安靜讓平安入我心</a:t>
             </a:r>
-            <a:endParaRPr lang="en-US" altLang="zh-TW" sz="5400" b="1" dirty="0" smtClean="0">
+            <a:endParaRPr lang="en-US" altLang="zh-TW" sz="5400" b="1" dirty="0">
               <a:solidFill>
                 <a:srgbClr val="000066"/>
               </a:solidFill>
@@ -3123,16 +3139,56 @@
               <a:buNone/>
             </a:pPr>
             <a:r>
-              <a:rPr lang="zh-TW" altLang="en-US" sz="5400" b="1" dirty="0" smtClean="0">
+              <a:rPr lang="zh-TW" altLang="en-US" sz="5400" b="1" dirty="0">
                 <a:solidFill>
                   <a:srgbClr val="000066"/>
                 </a:solidFill>
                 <a:latin typeface="微軟正黑體" pitchFamily="34" charset="-120"/>
                 <a:ea typeface="微軟正黑體" pitchFamily="34" charset="-120"/>
               </a:rPr>
-              <a:t>深深知道你是我的神</a:t>
-            </a:r>
-            <a:endParaRPr lang="en-US" altLang="zh-TW" sz="5400" b="1" dirty="0" smtClean="0">
+              <a:t>深深知</a:t>
+            </a:r>
+            <a:r>
+              <a:rPr lang="zh-TW" altLang="en-US" sz="5400" b="1" dirty="0" smtClean="0">
+                <a:solidFill>
+                  <a:srgbClr val="000066"/>
+                </a:solidFill>
+                <a:latin typeface="微軟正黑體" pitchFamily="34" charset="-120"/>
+                <a:ea typeface="微軟正黑體" pitchFamily="34" charset="-120"/>
+              </a:rPr>
+              <a:t>道</a:t>
+            </a:r>
+            <a:r>
+              <a:rPr lang="zh-CN" altLang="en-US" sz="5400" b="1" dirty="0" smtClean="0">
+                <a:solidFill>
+                  <a:srgbClr val="000066"/>
+                </a:solidFill>
+                <a:latin typeface="微軟正黑體" pitchFamily="34" charset="-120"/>
+                <a:ea typeface="微軟正黑體" pitchFamily="34" charset="-120"/>
+              </a:rPr>
+              <a:t>袮</a:t>
+            </a:r>
+            <a:r>
+              <a:rPr lang="zh-TW" altLang="en-US" sz="5400" b="1" dirty="0" smtClean="0">
+                <a:solidFill>
+                  <a:srgbClr val="000066"/>
+                </a:solidFill>
+                <a:latin typeface="微軟正黑體" pitchFamily="34" charset="-120"/>
+                <a:ea typeface="微軟正黑體" pitchFamily="34" charset="-120"/>
+              </a:rPr>
+              <a:t>是</a:t>
+            </a:r>
+            <a:r>
+              <a:rPr lang="zh-TW" altLang="en-US" sz="5400" b="1" dirty="0">
+                <a:solidFill>
+                  <a:srgbClr val="000066"/>
+                </a:solidFill>
+                <a:latin typeface="微軟正黑體" pitchFamily="34" charset="-120"/>
+                <a:ea typeface="微軟正黑體" pitchFamily="34" charset="-120"/>
+              </a:rPr>
+              <a:t>我的神</a:t>
+            </a:r>
+            <a:endParaRPr lang="en-US" altLang="zh-TW" sz="5400" b="1" dirty="0">
               <a:solidFill>
                 <a:srgbClr val="000066"/>
               </a:solidFill>
@@ -3145,7 +3201,7 @@
               <a:buNone/>
             </a:pPr>
             <a:r>
-              <a:rPr lang="zh-TW" altLang="en-US" sz="5400" b="1" dirty="0" smtClean="0">
+              <a:rPr lang="zh-TW" altLang="en-US" sz="5400" b="1" dirty="0">
                 <a:solidFill>
                   <a:srgbClr val="000066"/>
                 </a:solidFill>
@@ -3154,7 +3210,7 @@
               </a:rPr>
               <a:t>風浪讓我靈更堅定</a:t>
             </a:r>
-            <a:endParaRPr lang="en-US" altLang="zh-TW" sz="5400" b="1" dirty="0" smtClean="0">
+            <a:endParaRPr lang="en-US" altLang="zh-TW" sz="5400" b="1" dirty="0">
               <a:solidFill>
                 <a:srgbClr val="000066"/>
               </a:solidFill>
@@ -3167,7 +3223,7 @@
               <a:buNone/>
             </a:pPr>
             <a:r>
-              <a:rPr lang="zh-TW" altLang="en-US" sz="5400" b="1" dirty="0" smtClean="0">
+              <a:rPr lang="zh-TW" altLang="en-US" sz="5400" b="1" dirty="0">
                 <a:solidFill>
                   <a:srgbClr val="000066"/>
                 </a:solidFill>
@@ -3267,46 +3323,16 @@
               <a:buNone/>
             </a:pPr>
             <a:r>
-              <a:rPr lang="zh-TW" altLang="en-US" sz="5400" b="1" dirty="0" smtClean="0">
+              <a:rPr lang="zh-TW" altLang="en-US" sz="5400" b="1" dirty="0">
                 <a:solidFill>
                   <a:srgbClr val="000066"/>
                 </a:solidFill>
                 <a:latin typeface="微軟正黑體" pitchFamily="34" charset="-120"/>
                 <a:ea typeface="微軟正黑體" pitchFamily="34" charset="-120"/>
               </a:rPr>
-              <a:t>我不</a:t>
-            </a:r>
-            <a:r>
-              <a:rPr lang="zh-TW" altLang="en-US" sz="5400" b="1" dirty="0" smtClean="0">
-                <a:solidFill>
-                  <a:srgbClr val="000066"/>
-                </a:solidFill>
-                <a:latin typeface="微軟正黑體" pitchFamily="34" charset="-120"/>
-                <a:ea typeface="微軟正黑體" pitchFamily="34" charset="-120"/>
-              </a:rPr>
-              <a:t>害怕  我</a:t>
-            </a:r>
-            <a:r>
-              <a:rPr lang="zh-TW" altLang="en-US" sz="5400" b="1" dirty="0" smtClean="0">
-                <a:solidFill>
-                  <a:srgbClr val="000066"/>
-                </a:solidFill>
-                <a:latin typeface="微軟正黑體" pitchFamily="34" charset="-120"/>
-                <a:ea typeface="微軟正黑體" pitchFamily="34" charset="-120"/>
-              </a:rPr>
-              <a:t>仍然要敬</a:t>
-            </a:r>
-            <a:r>
-              <a:rPr lang="zh-TW" altLang="en-US" sz="5400" b="1" dirty="0" smtClean="0">
-                <a:solidFill>
-                  <a:srgbClr val="000066"/>
-                </a:solidFill>
-                <a:latin typeface="微軟正黑體" pitchFamily="34" charset="-120"/>
-                <a:ea typeface="微軟正黑體" pitchFamily="34" charset="-120"/>
-              </a:rPr>
-              <a:t>拜</a:t>
-            </a:r>
-            <a:endParaRPr lang="en-US" altLang="zh-TW" sz="5400" b="1" dirty="0" smtClean="0">
+              <a:t>我不害怕  我仍然要敬拜</a:t>
+            </a:r>
+            <a:endParaRPr lang="en-US" altLang="zh-TW" sz="5400" b="1" dirty="0">
               <a:solidFill>
                 <a:srgbClr val="000066"/>
               </a:solidFill>
@@ -3319,14 +3345,14 @@
               <a:buNone/>
             </a:pPr>
             <a:r>
-              <a:rPr lang="zh-TW" altLang="en-US" sz="5400" b="1" dirty="0" smtClean="0">
+              <a:rPr lang="zh-CN" altLang="en-US" sz="5400" b="1" dirty="0">
                 <a:solidFill>
                   <a:srgbClr val="000066"/>
                 </a:solidFill>
                 <a:latin typeface="微軟正黑體" pitchFamily="34" charset="-120"/>
                 <a:ea typeface="微軟正黑體" pitchFamily="34" charset="-120"/>
               </a:rPr>
-              <a:t>你</a:t>
+              <a:t>袮</a:t>
             </a:r>
             <a:r>
               <a:rPr lang="zh-TW" altLang="en-US" sz="5400" b="1" dirty="0" smtClean="0">
@@ -3336,19 +3362,19 @@
                 <a:latin typeface="微軟正黑體" pitchFamily="34" charset="-120"/>
                 <a:ea typeface="微軟正黑體" pitchFamily="34" charset="-120"/>
               </a:rPr>
-              <a:t>陪我走向應許之</a:t>
-            </a:r>
-            <a:r>
-              <a:rPr lang="zh-TW" altLang="en-US" sz="5400" b="1" dirty="0" smtClean="0">
+              <a:t>陪</a:t>
+            </a:r>
+            <a:r>
+              <a:rPr lang="zh-TW" altLang="en-US" sz="5400" b="1" dirty="0">
                 <a:solidFill>
                   <a:srgbClr val="000066"/>
                 </a:solidFill>
                 <a:latin typeface="微軟正黑體" pitchFamily="34" charset="-120"/>
                 <a:ea typeface="微軟正黑體" pitchFamily="34" charset="-120"/>
               </a:rPr>
-              <a:t>處</a:t>
-            </a:r>
-            <a:endParaRPr lang="en-US" altLang="zh-TW" sz="5400" b="1" dirty="0" smtClean="0">
+              <a:t>我走向應許之處</a:t>
+            </a:r>
+            <a:endParaRPr lang="en-US" altLang="zh-TW" sz="5400" b="1" dirty="0">
               <a:solidFill>
                 <a:srgbClr val="000066"/>
               </a:solidFill>
@@ -3361,36 +3387,16 @@
               <a:buNone/>
             </a:pPr>
             <a:r>
-              <a:rPr lang="zh-TW" altLang="en-US" sz="5400" b="1" dirty="0" smtClean="0">
+              <a:rPr lang="zh-TW" altLang="en-US" sz="5400" b="1" dirty="0">
                 <a:solidFill>
                   <a:srgbClr val="000066"/>
                 </a:solidFill>
                 <a:latin typeface="微軟正黑體" pitchFamily="34" charset="-120"/>
                 <a:ea typeface="微軟正黑體" pitchFamily="34" charset="-120"/>
               </a:rPr>
-              <a:t>充滿盼望  我</a:t>
-            </a:r>
-            <a:r>
-              <a:rPr lang="zh-TW" altLang="en-US" sz="5400" b="1" dirty="0" smtClean="0">
-                <a:solidFill>
-                  <a:srgbClr val="000066"/>
-                </a:solidFill>
-                <a:latin typeface="微軟正黑體" pitchFamily="34" charset="-120"/>
-                <a:ea typeface="微軟正黑體" pitchFamily="34" charset="-120"/>
-              </a:rPr>
-              <a:t>一生要敬</a:t>
-            </a:r>
-            <a:r>
-              <a:rPr lang="zh-TW" altLang="en-US" sz="5400" b="1" dirty="0" smtClean="0">
-                <a:solidFill>
-                  <a:srgbClr val="000066"/>
-                </a:solidFill>
-                <a:latin typeface="微軟正黑體" pitchFamily="34" charset="-120"/>
-                <a:ea typeface="微軟正黑體" pitchFamily="34" charset="-120"/>
-              </a:rPr>
-              <a:t>拜</a:t>
-            </a:r>
-            <a:endParaRPr lang="en-US" altLang="zh-TW" sz="5400" b="1" dirty="0" smtClean="0">
+              <a:t>充滿盼望  我一生要敬拜</a:t>
+            </a:r>
+            <a:endParaRPr lang="en-US" altLang="zh-TW" sz="5400" b="1" dirty="0">
               <a:solidFill>
                 <a:srgbClr val="000066"/>
               </a:solidFill>
@@ -3403,14 +3409,14 @@
               <a:buNone/>
             </a:pPr>
             <a:r>
-              <a:rPr lang="zh-TW" altLang="en-US" sz="5400" b="1" dirty="0" smtClean="0">
+              <a:rPr lang="zh-TW" altLang="en-US" sz="5400" b="1" dirty="0">
                 <a:solidFill>
                   <a:srgbClr val="000066"/>
                 </a:solidFill>
                 <a:latin typeface="微軟正黑體" pitchFamily="34" charset="-120"/>
                 <a:ea typeface="微軟正黑體" pitchFamily="34" charset="-120"/>
               </a:rPr>
-              <a:t>生命</a:t>
+              <a:t>生命滿</a:t>
             </a:r>
             <a:r>
               <a:rPr lang="zh-TW" altLang="en-US" sz="5400" b="1" dirty="0" smtClean="0">
@@ -3420,7 +3426,37 @@
                 <a:latin typeface="微軟正黑體" pitchFamily="34" charset="-120"/>
                 <a:ea typeface="微軟正黑體" pitchFamily="34" charset="-120"/>
               </a:rPr>
-              <a:t>滿有你的印記</a:t>
+              <a:t>有</a:t>
+            </a:r>
+            <a:r>
+              <a:rPr lang="zh-CN" altLang="en-US" sz="5400" b="1" dirty="0">
+                <a:solidFill>
+                  <a:srgbClr val="000066"/>
+                </a:solidFill>
+                <a:latin typeface="微軟正黑體" pitchFamily="34" charset="-120"/>
+                <a:ea typeface="微軟正黑體" pitchFamily="34" charset="-120"/>
+              </a:rPr>
+              <a:t>袮</a:t>
+            </a:r>
+            <a:r>
+              <a:rPr lang="zh-TW" altLang="en-US" sz="5400" b="1" dirty="0" smtClean="0">
+                <a:solidFill>
+                  <a:srgbClr val="000066"/>
+                </a:solidFill>
+                <a:latin typeface="微軟正黑體" pitchFamily="34" charset="-120"/>
+                <a:ea typeface="微軟正黑體" pitchFamily="34" charset="-120"/>
+              </a:rPr>
+              <a:t>的</a:t>
+            </a:r>
+            <a:r>
+              <a:rPr lang="zh-TW" altLang="en-US" sz="5400" b="1" dirty="0">
+                <a:solidFill>
+                  <a:srgbClr val="000066"/>
+                </a:solidFill>
+                <a:latin typeface="微軟正黑體" pitchFamily="34" charset="-120"/>
+                <a:ea typeface="微軟正黑體" pitchFamily="34" charset="-120"/>
+              </a:rPr>
+              <a:t>印記</a:t>
             </a:r>
             <a:endParaRPr lang="zh-TW" altLang="en-US" sz="5400" b="1" dirty="0">
               <a:solidFill>

--- a/安靜(崇拜版).pptx
+++ b/安靜(崇拜版).pptx
@@ -5,8 +5,11 @@
     <p:sldMasterId id="2147483660" r:id="rId1"/>
   </p:sldMasterIdLst>
   <p:sldIdLst>
-    <p:sldId id="256" r:id="rId2"/>
-    <p:sldId id="257" r:id="rId3"/>
+    <p:sldId id="258" r:id="rId2"/>
+    <p:sldId id="259" r:id="rId3"/>
+    <p:sldId id="260" r:id="rId4"/>
+    <p:sldId id="261" r:id="rId5"/>
+    <p:sldId id="262" r:id="rId6"/>
   </p:sldIdLst>
   <p:sldSz cx="12192000" cy="6858000"/>
   <p:notesSz cx="6858000" cy="9144000"/>
@@ -305,7 +308,7 @@
           <a:p>
             <a:fld id="{B4A29A6A-427F-4B19-8281-5DE5E0B60C4E}" type="datetimeFigureOut">
               <a:rPr lang="zh-TW" altLang="en-US" smtClean="0"/>
-              <a:t>2020/4/3</a:t>
+              <a:t>2020/12/24</a:t>
             </a:fld>
             <a:endParaRPr lang="zh-TW" altLang="en-US"/>
           </a:p>
@@ -470,7 +473,7 @@
           <a:p>
             <a:fld id="{B4A29A6A-427F-4B19-8281-5DE5E0B60C4E}" type="datetimeFigureOut">
               <a:rPr lang="zh-TW" altLang="en-US" smtClean="0"/>
-              <a:t>2020/4/3</a:t>
+              <a:t>2020/12/24</a:t>
             </a:fld>
             <a:endParaRPr lang="zh-TW" altLang="en-US"/>
           </a:p>
@@ -645,7 +648,7 @@
           <a:p>
             <a:fld id="{B4A29A6A-427F-4B19-8281-5DE5E0B60C4E}" type="datetimeFigureOut">
               <a:rPr lang="zh-TW" altLang="en-US" smtClean="0"/>
-              <a:t>2020/4/3</a:t>
+              <a:t>2020/12/24</a:t>
             </a:fld>
             <a:endParaRPr lang="zh-TW" altLang="en-US"/>
           </a:p>
@@ -810,7 +813,7 @@
           <a:p>
             <a:fld id="{B4A29A6A-427F-4B19-8281-5DE5E0B60C4E}" type="datetimeFigureOut">
               <a:rPr lang="zh-TW" altLang="en-US" smtClean="0"/>
-              <a:t>2020/4/3</a:t>
+              <a:t>2020/12/24</a:t>
             </a:fld>
             <a:endParaRPr lang="zh-TW" altLang="en-US"/>
           </a:p>
@@ -1051,7 +1054,7 @@
           <a:p>
             <a:fld id="{B4A29A6A-427F-4B19-8281-5DE5E0B60C4E}" type="datetimeFigureOut">
               <a:rPr lang="zh-TW" altLang="en-US" smtClean="0"/>
-              <a:t>2020/4/3</a:t>
+              <a:t>2020/12/24</a:t>
             </a:fld>
             <a:endParaRPr lang="zh-TW" altLang="en-US"/>
           </a:p>
@@ -1334,7 +1337,7 @@
           <a:p>
             <a:fld id="{B4A29A6A-427F-4B19-8281-5DE5E0B60C4E}" type="datetimeFigureOut">
               <a:rPr lang="zh-TW" altLang="en-US" smtClean="0"/>
-              <a:t>2020/4/3</a:t>
+              <a:t>2020/12/24</a:t>
             </a:fld>
             <a:endParaRPr lang="zh-TW" altLang="en-US"/>
           </a:p>
@@ -1751,7 +1754,7 @@
           <a:p>
             <a:fld id="{B4A29A6A-427F-4B19-8281-5DE5E0B60C4E}" type="datetimeFigureOut">
               <a:rPr lang="zh-TW" altLang="en-US" smtClean="0"/>
-              <a:t>2020/4/3</a:t>
+              <a:t>2020/12/24</a:t>
             </a:fld>
             <a:endParaRPr lang="zh-TW" altLang="en-US"/>
           </a:p>
@@ -1864,7 +1867,7 @@
           <a:p>
             <a:fld id="{B4A29A6A-427F-4B19-8281-5DE5E0B60C4E}" type="datetimeFigureOut">
               <a:rPr lang="zh-TW" altLang="en-US" smtClean="0"/>
-              <a:t>2020/4/3</a:t>
+              <a:t>2020/12/24</a:t>
             </a:fld>
             <a:endParaRPr lang="zh-TW" altLang="en-US"/>
           </a:p>
@@ -1954,7 +1957,7 @@
           <a:p>
             <a:fld id="{B4A29A6A-427F-4B19-8281-5DE5E0B60C4E}" type="datetimeFigureOut">
               <a:rPr lang="zh-TW" altLang="en-US" smtClean="0"/>
-              <a:t>2020/4/3</a:t>
+              <a:t>2020/12/24</a:t>
             </a:fld>
             <a:endParaRPr lang="zh-TW" altLang="en-US"/>
           </a:p>
@@ -2226,7 +2229,7 @@
           <a:p>
             <a:fld id="{B4A29A6A-427F-4B19-8281-5DE5E0B60C4E}" type="datetimeFigureOut">
               <a:rPr lang="zh-TW" altLang="en-US" smtClean="0"/>
-              <a:t>2020/4/3</a:t>
+              <a:t>2020/12/24</a:t>
             </a:fld>
             <a:endParaRPr lang="zh-TW" altLang="en-US"/>
           </a:p>
@@ -2478,7 +2481,7 @@
           <a:p>
             <a:fld id="{B4A29A6A-427F-4B19-8281-5DE5E0B60C4E}" type="datetimeFigureOut">
               <a:rPr lang="zh-TW" altLang="en-US" smtClean="0"/>
-              <a:t>2020/4/3</a:t>
+              <a:t>2020/12/24</a:t>
             </a:fld>
             <a:endParaRPr lang="zh-TW" altLang="en-US"/>
           </a:p>
@@ -2691,7 +2694,7 @@
           <a:p>
             <a:fld id="{B4A29A6A-427F-4B19-8281-5DE5E0B60C4E}" type="datetimeFigureOut">
               <a:rPr lang="zh-TW" altLang="en-US" smtClean="0"/>
-              <a:t>2020/4/3</a:t>
+              <a:t>2020/12/24</a:t>
             </a:fld>
             <a:endParaRPr lang="zh-TW" altLang="en-US"/>
           </a:p>
@@ -3071,182 +3074,86 @@
             <p:ph type="title"/>
           </p:nvPr>
         </p:nvSpPr>
-        <p:spPr/>
-        <p:txBody>
-          <a:bodyPr/>
-          <a:lstStyle/>
-          <a:p>
-            <a:r>
-              <a:rPr lang="zh-CN" altLang="en-US" b="1" dirty="0" smtClean="0">
+        <p:spPr>
+          <a:xfrm>
+            <a:off x="0" y="2857513"/>
+            <a:ext cx="12192000" cy="1143000"/>
+          </a:xfrm>
+        </p:spPr>
+        <p:txBody>
+          <a:bodyPr>
+            <a:noAutofit/>
+          </a:bodyPr>
+          <a:lstStyle/>
+          <a:p>
+            <a:r>
+              <a:rPr lang="zh-CN" altLang="en-US" sz="7200" b="1" i="1" dirty="0">
                 <a:solidFill>
                   <a:srgbClr val="000066"/>
                 </a:solidFill>
+                <a:effectLst>
+                  <a:outerShdw blurRad="38100" dist="38100" dir="2700000" algn="tl">
+                    <a:srgbClr val="000000">
+                      <a:alpha val="43137"/>
+                    </a:srgbClr>
+                  </a:outerShdw>
+                </a:effectLst>
                 <a:latin typeface="微軟正黑體" pitchFamily="34" charset="-120"/>
                 <a:ea typeface="微軟正黑體" pitchFamily="34" charset="-120"/>
               </a:rPr>
-              <a:t>安靜</a:t>
-            </a:r>
-            <a:endParaRPr lang="zh-TW" altLang="en-US" b="1" dirty="0">
+              <a:t>安</a:t>
+            </a:r>
+            <a:r>
+              <a:rPr lang="zh-CN" altLang="en-US" sz="7200" b="1" i="1" dirty="0">
+                <a:solidFill>
+                  <a:srgbClr val="000066"/>
+                </a:solidFill>
+                <a:effectLst>
+                  <a:outerShdw blurRad="38100" dist="38100" dir="2700000" algn="tl">
+                    <a:srgbClr val="000000">
+                      <a:alpha val="43137"/>
+                    </a:srgbClr>
+                  </a:outerShdw>
+                </a:effectLst>
+                <a:latin typeface="微軟正黑體" pitchFamily="34" charset="-120"/>
+                <a:ea typeface="微軟正黑體" pitchFamily="34" charset="-120"/>
+              </a:rPr>
+              <a:t>靜</a:t>
+            </a:r>
+            <a:endParaRPr lang="zh-TW" altLang="en-US" sz="7200" b="1" i="1" dirty="0">
               <a:solidFill>
                 <a:srgbClr val="000066"/>
               </a:solidFill>
+              <a:effectLst>
+                <a:outerShdw blurRad="38100" dist="38100" dir="2700000" algn="tl">
+                  <a:srgbClr val="000000">
+                    <a:alpha val="43137"/>
+                  </a:srgbClr>
+                </a:outerShdw>
+              </a:effectLst>
               <a:latin typeface="微軟正黑體" pitchFamily="34" charset="-120"/>
               <a:ea typeface="微軟正黑體" pitchFamily="34" charset="-120"/>
             </a:endParaRPr>
           </a:p>
         </p:txBody>
       </p:sp>
-      <p:sp>
-        <p:nvSpPr>
-          <p:cNvPr id="5" name="內容版面配置區 4"/>
-          <p:cNvSpPr>
-            <a:spLocks noGrp="1"/>
-          </p:cNvSpPr>
-          <p:nvPr>
-            <p:ph idx="1"/>
-          </p:nvPr>
-        </p:nvSpPr>
-        <p:spPr/>
-        <p:txBody>
-          <a:bodyPr>
-            <a:normAutofit/>
-          </a:bodyPr>
-          <a:lstStyle/>
-          <a:p>
-            <a:pPr algn="ctr">
-              <a:buNone/>
-            </a:pPr>
-            <a:r>
-              <a:rPr lang="zh-TW" altLang="en-US" sz="5400" b="1" dirty="0">
-                <a:solidFill>
-                  <a:srgbClr val="000066"/>
-                </a:solidFill>
-                <a:latin typeface="微軟正黑體" pitchFamily="34" charset="-120"/>
-                <a:ea typeface="微軟正黑體" pitchFamily="34" charset="-120"/>
-              </a:rPr>
-              <a:t>安靜讓平安入我心</a:t>
-            </a:r>
-            <a:endParaRPr lang="en-US" altLang="zh-TW" sz="5400" b="1" dirty="0">
-              <a:solidFill>
-                <a:srgbClr val="000066"/>
-              </a:solidFill>
-              <a:latin typeface="微軟正黑體" pitchFamily="34" charset="-120"/>
-              <a:ea typeface="微軟正黑體" pitchFamily="34" charset="-120"/>
-            </a:endParaRPr>
-          </a:p>
-          <a:p>
-            <a:pPr algn="ctr">
-              <a:buNone/>
-            </a:pPr>
-            <a:r>
-              <a:rPr lang="zh-TW" altLang="en-US" sz="5400" b="1" dirty="0">
-                <a:solidFill>
-                  <a:srgbClr val="000066"/>
-                </a:solidFill>
-                <a:latin typeface="微軟正黑體" pitchFamily="34" charset="-120"/>
-                <a:ea typeface="微軟正黑體" pitchFamily="34" charset="-120"/>
-              </a:rPr>
-              <a:t>深深知</a:t>
-            </a:r>
-            <a:r>
-              <a:rPr lang="zh-TW" altLang="en-US" sz="5400" b="1" dirty="0" smtClean="0">
-                <a:solidFill>
-                  <a:srgbClr val="000066"/>
-                </a:solidFill>
-                <a:latin typeface="微軟正黑體" pitchFamily="34" charset="-120"/>
-                <a:ea typeface="微軟正黑體" pitchFamily="34" charset="-120"/>
-              </a:rPr>
-              <a:t>道</a:t>
-            </a:r>
-            <a:r>
-              <a:rPr lang="zh-CN" altLang="en-US" sz="5400" b="1" dirty="0" smtClean="0">
-                <a:solidFill>
-                  <a:srgbClr val="000066"/>
-                </a:solidFill>
-                <a:latin typeface="微軟正黑體" pitchFamily="34" charset="-120"/>
-                <a:ea typeface="微軟正黑體" pitchFamily="34" charset="-120"/>
-              </a:rPr>
-              <a:t>袮</a:t>
-            </a:r>
-            <a:r>
-              <a:rPr lang="zh-TW" altLang="en-US" sz="5400" b="1" dirty="0" smtClean="0">
-                <a:solidFill>
-                  <a:srgbClr val="000066"/>
-                </a:solidFill>
-                <a:latin typeface="微軟正黑體" pitchFamily="34" charset="-120"/>
-                <a:ea typeface="微軟正黑體" pitchFamily="34" charset="-120"/>
-              </a:rPr>
-              <a:t>是</a:t>
-            </a:r>
-            <a:r>
-              <a:rPr lang="zh-TW" altLang="en-US" sz="5400" b="1" dirty="0">
-                <a:solidFill>
-                  <a:srgbClr val="000066"/>
-                </a:solidFill>
-                <a:latin typeface="微軟正黑體" pitchFamily="34" charset="-120"/>
-                <a:ea typeface="微軟正黑體" pitchFamily="34" charset="-120"/>
-              </a:rPr>
-              <a:t>我的神</a:t>
-            </a:r>
-            <a:endParaRPr lang="en-US" altLang="zh-TW" sz="5400" b="1" dirty="0">
-              <a:solidFill>
-                <a:srgbClr val="000066"/>
-              </a:solidFill>
-              <a:latin typeface="微軟正黑體" pitchFamily="34" charset="-120"/>
-              <a:ea typeface="微軟正黑體" pitchFamily="34" charset="-120"/>
-            </a:endParaRPr>
-          </a:p>
-          <a:p>
-            <a:pPr algn="ctr">
-              <a:buNone/>
-            </a:pPr>
-            <a:r>
-              <a:rPr lang="zh-TW" altLang="en-US" sz="5400" b="1" dirty="0">
-                <a:solidFill>
-                  <a:srgbClr val="000066"/>
-                </a:solidFill>
-                <a:latin typeface="微軟正黑體" pitchFamily="34" charset="-120"/>
-                <a:ea typeface="微軟正黑體" pitchFamily="34" charset="-120"/>
-              </a:rPr>
-              <a:t>風浪讓我靈更堅定</a:t>
-            </a:r>
-            <a:endParaRPr lang="en-US" altLang="zh-TW" sz="5400" b="1" dirty="0">
-              <a:solidFill>
-                <a:srgbClr val="000066"/>
-              </a:solidFill>
-              <a:latin typeface="微軟正黑體" pitchFamily="34" charset="-120"/>
-              <a:ea typeface="微軟正黑體" pitchFamily="34" charset="-120"/>
-            </a:endParaRPr>
-          </a:p>
-          <a:p>
-            <a:pPr algn="ctr">
-              <a:buNone/>
-            </a:pPr>
-            <a:r>
-              <a:rPr lang="zh-TW" altLang="en-US" sz="5400" b="1" dirty="0">
-                <a:solidFill>
-                  <a:srgbClr val="000066"/>
-                </a:solidFill>
-                <a:latin typeface="微軟正黑體" pitchFamily="34" charset="-120"/>
-                <a:ea typeface="微軟正黑體" pitchFamily="34" charset="-120"/>
-              </a:rPr>
-              <a:t>在我身旁你使風浪平息</a:t>
-            </a:r>
-            <a:endParaRPr lang="zh-TW" altLang="en-US" sz="5400" b="1" dirty="0">
-              <a:solidFill>
-                <a:srgbClr val="000066"/>
-              </a:solidFill>
-              <a:latin typeface="微軟正黑體" pitchFamily="34" charset="-120"/>
-              <a:ea typeface="微軟正黑體" pitchFamily="34" charset="-120"/>
-            </a:endParaRPr>
-          </a:p>
-        </p:txBody>
-      </p:sp>
     </p:spTree>
+    <p:extLst>
+      <p:ext uri="{BB962C8B-B14F-4D97-AF65-F5344CB8AC3E}">
+        <p14:creationId xmlns:p14="http://schemas.microsoft.com/office/powerpoint/2010/main" val="227303423"/>
+      </p:ext>
+    </p:extLst>
   </p:cSld>
   <p:clrMapOvr>
     <a:masterClrMapping/>
   </p:clrMapOvr>
+  <p:timing>
+    <p:tnLst>
+      <p:par>
+        <p:cTn id="1" dur="indefinite" restart="never" nodeType="tmRoot"/>
+      </p:par>
+    </p:tnLst>
+  </p:timing>
 </p:sld>
 </file>
 
@@ -3269,30 +3176,40 @@
       </p:grpSpPr>
       <p:sp>
         <p:nvSpPr>
-          <p:cNvPr id="4" name="標題 3"/>
-          <p:cNvSpPr>
-            <a:spLocks noGrp="1"/>
-          </p:cNvSpPr>
-          <p:nvPr>
-            <p:ph type="title"/>
-          </p:nvPr>
-        </p:nvSpPr>
-        <p:spPr/>
-        <p:txBody>
-          <a:bodyPr/>
-          <a:lstStyle/>
-          <a:p>
-            <a:r>
-              <a:rPr lang="zh-CN" altLang="en-US" b="1" dirty="0" smtClean="0">
+          <p:cNvPr id="5" name="內容版面配置區 4"/>
+          <p:cNvSpPr>
+            <a:spLocks noGrp="1"/>
+          </p:cNvSpPr>
+          <p:nvPr>
+            <p:ph idx="1"/>
+          </p:nvPr>
+        </p:nvSpPr>
+        <p:spPr>
+          <a:xfrm>
+            <a:off x="0" y="2084851"/>
+            <a:ext cx="12192000" cy="2404863"/>
+          </a:xfrm>
+        </p:spPr>
+        <p:txBody>
+          <a:bodyPr anchor="ctr">
+            <a:normAutofit/>
+          </a:bodyPr>
+          <a:lstStyle/>
+          <a:p>
+            <a:pPr algn="ctr">
+              <a:buNone/>
+            </a:pPr>
+            <a:r>
+              <a:rPr lang="zh-TW" altLang="en-US" sz="6400" b="1" dirty="0">
                 <a:solidFill>
                   <a:srgbClr val="000066"/>
                 </a:solidFill>
                 <a:latin typeface="微軟正黑體" pitchFamily="34" charset="-120"/>
                 <a:ea typeface="微軟正黑體" pitchFamily="34" charset="-120"/>
               </a:rPr>
-              <a:t>安靜</a:t>
-            </a:r>
-            <a:endParaRPr lang="zh-TW" altLang="en-US" b="1" dirty="0">
+              <a:t>安靜讓平安入我心</a:t>
+            </a:r>
+            <a:endParaRPr lang="en-US" altLang="zh-TW" sz="6400" b="1" dirty="0">
               <a:solidFill>
                 <a:srgbClr val="000066"/>
               </a:solidFill>
@@ -3300,8 +3217,87 @@
               <a:ea typeface="微軟正黑體" pitchFamily="34" charset="-120"/>
             </a:endParaRPr>
           </a:p>
-        </p:txBody>
-      </p:sp>
+          <a:p>
+            <a:pPr algn="ctr">
+              <a:buNone/>
+            </a:pPr>
+            <a:r>
+              <a:rPr lang="zh-TW" altLang="en-US" sz="6400" b="1" dirty="0">
+                <a:solidFill>
+                  <a:srgbClr val="000066"/>
+                </a:solidFill>
+                <a:latin typeface="微軟正黑體" pitchFamily="34" charset="-120"/>
+                <a:ea typeface="微軟正黑體" pitchFamily="34" charset="-120"/>
+              </a:rPr>
+              <a:t>深深知道</a:t>
+            </a:r>
+            <a:r>
+              <a:rPr lang="zh-CN" altLang="en-US" sz="6400" b="1" dirty="0">
+                <a:solidFill>
+                  <a:srgbClr val="000066"/>
+                </a:solidFill>
+                <a:latin typeface="微軟正黑體" pitchFamily="34" charset="-120"/>
+                <a:ea typeface="微軟正黑體" pitchFamily="34" charset="-120"/>
+              </a:rPr>
+              <a:t>袮</a:t>
+            </a:r>
+            <a:r>
+              <a:rPr lang="zh-TW" altLang="en-US" sz="6400" b="1" dirty="0">
+                <a:solidFill>
+                  <a:srgbClr val="000066"/>
+                </a:solidFill>
+                <a:latin typeface="微軟正黑體" pitchFamily="34" charset="-120"/>
+                <a:ea typeface="微軟正黑體" pitchFamily="34" charset="-120"/>
+              </a:rPr>
+              <a:t>是我的神</a:t>
+            </a:r>
+            <a:endParaRPr lang="en-US" altLang="zh-TW" sz="6400" b="1" dirty="0">
+              <a:solidFill>
+                <a:srgbClr val="000066"/>
+              </a:solidFill>
+              <a:latin typeface="微軟正黑體" pitchFamily="34" charset="-120"/>
+              <a:ea typeface="微軟正黑體" pitchFamily="34" charset="-120"/>
+            </a:endParaRPr>
+          </a:p>
+        </p:txBody>
+      </p:sp>
+    </p:spTree>
+    <p:extLst>
+      <p:ext uri="{BB962C8B-B14F-4D97-AF65-F5344CB8AC3E}">
+        <p14:creationId xmlns:p14="http://schemas.microsoft.com/office/powerpoint/2010/main" val="1334782463"/>
+      </p:ext>
+    </p:extLst>
+  </p:cSld>
+  <p:clrMapOvr>
+    <a:masterClrMapping/>
+  </p:clrMapOvr>
+  <p:timing>
+    <p:tnLst>
+      <p:par>
+        <p:cTn id="1" dur="indefinite" restart="never" nodeType="tmRoot"/>
+      </p:par>
+    </p:tnLst>
+  </p:timing>
+</p:sld>
+</file>
+
+<file path=ppt/slides/slide3.xml><?xml version="1.0" encoding="utf-8"?>
+<p:sld xmlns:a="http://schemas.openxmlformats.org/drawingml/2006/main" xmlns:r="http://schemas.openxmlformats.org/officeDocument/2006/relationships" xmlns:p="http://schemas.openxmlformats.org/presentationml/2006/main">
+  <p:cSld>
+    <p:spTree>
+      <p:nvGrpSpPr>
+        <p:cNvPr id="1" name=""/>
+        <p:cNvGrpSpPr/>
+        <p:nvPr/>
+      </p:nvGrpSpPr>
+      <p:grpSpPr>
+        <a:xfrm>
+          <a:off x="0" y="0"/>
+          <a:ext cx="0" cy="0"/>
+          <a:chOff x="0" y="0"/>
+          <a:chExt cx="0" cy="0"/>
+        </a:xfrm>
+      </p:grpSpPr>
       <p:sp>
         <p:nvSpPr>
           <p:cNvPr id="5" name="內容版面配置區 4"/>
@@ -3312,9 +3308,14 @@
             <p:ph idx="1"/>
           </p:nvPr>
         </p:nvSpPr>
-        <p:spPr/>
-        <p:txBody>
-          <a:bodyPr>
+        <p:spPr>
+          <a:xfrm>
+            <a:off x="0" y="2084851"/>
+            <a:ext cx="12192000" cy="2404863"/>
+          </a:xfrm>
+        </p:spPr>
+        <p:txBody>
+          <a:bodyPr anchor="ctr">
             <a:normAutofit/>
           </a:bodyPr>
           <a:lstStyle/>
@@ -3323,7 +3324,131 @@
               <a:buNone/>
             </a:pPr>
             <a:r>
-              <a:rPr lang="zh-TW" altLang="en-US" sz="5400" b="1" dirty="0">
+              <a:rPr lang="zh-TW" altLang="en-US" sz="6400" b="1" dirty="0">
+                <a:solidFill>
+                  <a:srgbClr val="000066"/>
+                </a:solidFill>
+                <a:latin typeface="微軟正黑體" pitchFamily="34" charset="-120"/>
+                <a:ea typeface="微軟正黑體" pitchFamily="34" charset="-120"/>
+              </a:rPr>
+              <a:t>風浪讓我靈更堅定</a:t>
+            </a:r>
+            <a:endParaRPr lang="en-US" altLang="zh-TW" sz="6400" b="1" dirty="0">
+              <a:solidFill>
+                <a:srgbClr val="000066"/>
+              </a:solidFill>
+              <a:latin typeface="微軟正黑體" pitchFamily="34" charset="-120"/>
+              <a:ea typeface="微軟正黑體" pitchFamily="34" charset="-120"/>
+            </a:endParaRPr>
+          </a:p>
+          <a:p>
+            <a:pPr algn="ctr">
+              <a:buNone/>
+            </a:pPr>
+            <a:r>
+              <a:rPr lang="zh-TW" altLang="en-US" sz="6400" b="1" dirty="0">
+                <a:solidFill>
+                  <a:srgbClr val="000066"/>
+                </a:solidFill>
+                <a:latin typeface="微軟正黑體" pitchFamily="34" charset="-120"/>
+                <a:ea typeface="微軟正黑體" pitchFamily="34" charset="-120"/>
+              </a:rPr>
+              <a:t>在我身旁</a:t>
+            </a:r>
+            <a:r>
+              <a:rPr lang="zh-CN" altLang="en-US" sz="6400" b="1" dirty="0">
+                <a:solidFill>
+                  <a:srgbClr val="000066"/>
+                </a:solidFill>
+                <a:latin typeface="微軟正黑體" pitchFamily="34" charset="-120"/>
+                <a:ea typeface="微軟正黑體" pitchFamily="34" charset="-120"/>
+              </a:rPr>
+              <a:t>袮</a:t>
+            </a:r>
+            <a:r>
+              <a:rPr lang="zh-TW" altLang="en-US" sz="6400" b="1" dirty="0">
+                <a:solidFill>
+                  <a:srgbClr val="000066"/>
+                </a:solidFill>
+                <a:latin typeface="微軟正黑體" pitchFamily="34" charset="-120"/>
+                <a:ea typeface="微軟正黑體" pitchFamily="34" charset="-120"/>
+              </a:rPr>
+              <a:t>使風浪平息</a:t>
+            </a:r>
+            <a:endParaRPr lang="zh-TW" altLang="en-US" sz="6400" b="1" dirty="0">
+              <a:solidFill>
+                <a:srgbClr val="000066"/>
+              </a:solidFill>
+              <a:latin typeface="微軟正黑體" pitchFamily="34" charset="-120"/>
+              <a:ea typeface="微軟正黑體" pitchFamily="34" charset="-120"/>
+            </a:endParaRPr>
+          </a:p>
+        </p:txBody>
+      </p:sp>
+    </p:spTree>
+    <p:extLst>
+      <p:ext uri="{BB962C8B-B14F-4D97-AF65-F5344CB8AC3E}">
+        <p14:creationId xmlns:p14="http://schemas.microsoft.com/office/powerpoint/2010/main" val="2386109474"/>
+      </p:ext>
+    </p:extLst>
+  </p:cSld>
+  <p:clrMapOvr>
+    <a:masterClrMapping/>
+  </p:clrMapOvr>
+  <p:timing>
+    <p:tnLst>
+      <p:par>
+        <p:cTn id="1" dur="indefinite" restart="never" nodeType="tmRoot"/>
+      </p:par>
+    </p:tnLst>
+  </p:timing>
+</p:sld>
+</file>
+
+<file path=ppt/slides/slide4.xml><?xml version="1.0" encoding="utf-8"?>
+<p:sld xmlns:a="http://schemas.openxmlformats.org/drawingml/2006/main" xmlns:r="http://schemas.openxmlformats.org/officeDocument/2006/relationships" xmlns:p="http://schemas.openxmlformats.org/presentationml/2006/main">
+  <p:cSld>
+    <p:spTree>
+      <p:nvGrpSpPr>
+        <p:cNvPr id="1" name=""/>
+        <p:cNvGrpSpPr/>
+        <p:nvPr/>
+      </p:nvGrpSpPr>
+      <p:grpSpPr>
+        <a:xfrm>
+          <a:off x="0" y="0"/>
+          <a:ext cx="0" cy="0"/>
+          <a:chOff x="0" y="0"/>
+          <a:chExt cx="0" cy="0"/>
+        </a:xfrm>
+      </p:grpSpPr>
+      <p:sp>
+        <p:nvSpPr>
+          <p:cNvPr id="5" name="內容版面配置區 4"/>
+          <p:cNvSpPr>
+            <a:spLocks noGrp="1"/>
+          </p:cNvSpPr>
+          <p:nvPr>
+            <p:ph idx="1"/>
+          </p:nvPr>
+        </p:nvSpPr>
+        <p:spPr>
+          <a:xfrm>
+            <a:off x="0" y="2084851"/>
+            <a:ext cx="12192000" cy="2404863"/>
+          </a:xfrm>
+        </p:spPr>
+        <p:txBody>
+          <a:bodyPr anchor="ctr">
+            <a:normAutofit/>
+          </a:bodyPr>
+          <a:lstStyle/>
+          <a:p>
+            <a:pPr algn="ctr">
+              <a:buNone/>
+            </a:pPr>
+            <a:r>
+              <a:rPr lang="zh-TW" altLang="en-US" sz="6400" b="1" dirty="0">
                 <a:solidFill>
                   <a:srgbClr val="000066"/>
                 </a:solidFill>
@@ -3332,7 +3457,7 @@
               </a:rPr>
               <a:t>我不害怕  我仍然要敬拜</a:t>
             </a:r>
-            <a:endParaRPr lang="en-US" altLang="zh-TW" sz="5400" b="1" dirty="0">
+            <a:endParaRPr lang="en-US" altLang="zh-TW" sz="6400" b="1" dirty="0">
               <a:solidFill>
                 <a:srgbClr val="000066"/>
               </a:solidFill>
@@ -3345,7 +3470,7 @@
               <a:buNone/>
             </a:pPr>
             <a:r>
-              <a:rPr lang="zh-CN" altLang="en-US" sz="5400" b="1" dirty="0">
+              <a:rPr lang="zh-CN" altLang="en-US" sz="6400" b="1" dirty="0">
                 <a:solidFill>
                   <a:srgbClr val="000066"/>
                 </a:solidFill>
@@ -3355,26 +3480,16 @@
               <a:t>袮</a:t>
             </a:r>
             <a:r>
-              <a:rPr lang="zh-TW" altLang="en-US" sz="5400" b="1" dirty="0" smtClean="0">
+              <a:rPr lang="zh-TW" altLang="en-US" sz="6400" b="1" dirty="0">
                 <a:solidFill>
                   <a:srgbClr val="000066"/>
                 </a:solidFill>
                 <a:latin typeface="微軟正黑體" pitchFamily="34" charset="-120"/>
                 <a:ea typeface="微軟正黑體" pitchFamily="34" charset="-120"/>
               </a:rPr>
-              <a:t>陪</a:t>
-            </a:r>
-            <a:r>
-              <a:rPr lang="zh-TW" altLang="en-US" sz="5400" b="1" dirty="0">
-                <a:solidFill>
-                  <a:srgbClr val="000066"/>
-                </a:solidFill>
-                <a:latin typeface="微軟正黑體" pitchFamily="34" charset="-120"/>
-                <a:ea typeface="微軟正黑體" pitchFamily="34" charset="-120"/>
-              </a:rPr>
-              <a:t>我走向應許之處</a:t>
-            </a:r>
-            <a:endParaRPr lang="en-US" altLang="zh-TW" sz="5400" b="1" dirty="0">
+              <a:t>陪我走向應許之處</a:t>
+            </a:r>
+            <a:endParaRPr lang="en-US" altLang="zh-TW" sz="6400" b="1" dirty="0">
               <a:solidFill>
                 <a:srgbClr val="000066"/>
               </a:solidFill>
@@ -3382,12 +3497,72 @@
               <a:ea typeface="微軟正黑體" pitchFamily="34" charset="-120"/>
             </a:endParaRPr>
           </a:p>
+        </p:txBody>
+      </p:sp>
+    </p:spTree>
+    <p:extLst>
+      <p:ext uri="{BB962C8B-B14F-4D97-AF65-F5344CB8AC3E}">
+        <p14:creationId xmlns:p14="http://schemas.microsoft.com/office/powerpoint/2010/main" val="2177739799"/>
+      </p:ext>
+    </p:extLst>
+  </p:cSld>
+  <p:clrMapOvr>
+    <a:masterClrMapping/>
+  </p:clrMapOvr>
+  <p:timing>
+    <p:tnLst>
+      <p:par>
+        <p:cTn id="1" dur="indefinite" restart="never" nodeType="tmRoot"/>
+      </p:par>
+    </p:tnLst>
+  </p:timing>
+</p:sld>
+</file>
+
+<file path=ppt/slides/slide5.xml><?xml version="1.0" encoding="utf-8"?>
+<p:sld xmlns:a="http://schemas.openxmlformats.org/drawingml/2006/main" xmlns:r="http://schemas.openxmlformats.org/officeDocument/2006/relationships" xmlns:p="http://schemas.openxmlformats.org/presentationml/2006/main">
+  <p:cSld>
+    <p:spTree>
+      <p:nvGrpSpPr>
+        <p:cNvPr id="1" name=""/>
+        <p:cNvGrpSpPr/>
+        <p:nvPr/>
+      </p:nvGrpSpPr>
+      <p:grpSpPr>
+        <a:xfrm>
+          <a:off x="0" y="0"/>
+          <a:ext cx="0" cy="0"/>
+          <a:chOff x="0" y="0"/>
+          <a:chExt cx="0" cy="0"/>
+        </a:xfrm>
+      </p:grpSpPr>
+      <p:sp>
+        <p:nvSpPr>
+          <p:cNvPr id="5" name="內容版面配置區 4"/>
+          <p:cNvSpPr>
+            <a:spLocks noGrp="1"/>
+          </p:cNvSpPr>
+          <p:nvPr>
+            <p:ph idx="1"/>
+          </p:nvPr>
+        </p:nvSpPr>
+        <p:spPr>
+          <a:xfrm>
+            <a:off x="0" y="2084851"/>
+            <a:ext cx="12192000" cy="2404863"/>
+          </a:xfrm>
+        </p:spPr>
+        <p:txBody>
+          <a:bodyPr anchor="ctr">
+            <a:normAutofit/>
+          </a:bodyPr>
+          <a:lstStyle/>
           <a:p>
             <a:pPr algn="ctr">
               <a:buNone/>
             </a:pPr>
             <a:r>
-              <a:rPr lang="zh-TW" altLang="en-US" sz="5400" b="1" dirty="0">
+              <a:rPr lang="zh-TW" altLang="en-US" sz="6400" b="1" dirty="0">
                 <a:solidFill>
                   <a:srgbClr val="000066"/>
                 </a:solidFill>
@@ -3396,7 +3571,7 @@
               </a:rPr>
               <a:t>充滿盼望  我一生要敬拜</a:t>
             </a:r>
-            <a:endParaRPr lang="en-US" altLang="zh-TW" sz="5400" b="1" dirty="0">
+            <a:endParaRPr lang="en-US" altLang="zh-TW" sz="6400" b="1" dirty="0">
               <a:solidFill>
                 <a:srgbClr val="000066"/>
               </a:solidFill>
@@ -3409,27 +3584,17 @@
               <a:buNone/>
             </a:pPr>
             <a:r>
-              <a:rPr lang="zh-TW" altLang="en-US" sz="5400" b="1" dirty="0">
+              <a:rPr lang="zh-TW" altLang="en-US" sz="6400" b="1" dirty="0">
                 <a:solidFill>
                   <a:srgbClr val="000066"/>
                 </a:solidFill>
                 <a:latin typeface="微軟正黑體" pitchFamily="34" charset="-120"/>
                 <a:ea typeface="微軟正黑體" pitchFamily="34" charset="-120"/>
               </a:rPr>
-              <a:t>生命滿</a:t>
-            </a:r>
-            <a:r>
-              <a:rPr lang="zh-TW" altLang="en-US" sz="5400" b="1" dirty="0" smtClean="0">
-                <a:solidFill>
-                  <a:srgbClr val="000066"/>
-                </a:solidFill>
-                <a:latin typeface="微軟正黑體" pitchFamily="34" charset="-120"/>
-                <a:ea typeface="微軟正黑體" pitchFamily="34" charset="-120"/>
-              </a:rPr>
-              <a:t>有</a:t>
-            </a:r>
-            <a:r>
-              <a:rPr lang="zh-CN" altLang="en-US" sz="5400" b="1" dirty="0">
+              <a:t>生命滿有</a:t>
+            </a:r>
+            <a:r>
+              <a:rPr lang="zh-CN" altLang="en-US" sz="6400" b="1" dirty="0">
                 <a:solidFill>
                   <a:srgbClr val="000066"/>
                 </a:solidFill>
@@ -3439,26 +3604,16 @@
               <a:t>袮</a:t>
             </a:r>
             <a:r>
-              <a:rPr lang="zh-TW" altLang="en-US" sz="5400" b="1" dirty="0" smtClean="0">
+              <a:rPr lang="zh-TW" altLang="en-US" sz="6400" b="1" dirty="0">
                 <a:solidFill>
                   <a:srgbClr val="000066"/>
                 </a:solidFill>
                 <a:latin typeface="微軟正黑體" pitchFamily="34" charset="-120"/>
                 <a:ea typeface="微軟正黑體" pitchFamily="34" charset="-120"/>
               </a:rPr>
-              <a:t>的</a:t>
-            </a:r>
-            <a:r>
-              <a:rPr lang="zh-TW" altLang="en-US" sz="5400" b="1" dirty="0">
-                <a:solidFill>
-                  <a:srgbClr val="000066"/>
-                </a:solidFill>
-                <a:latin typeface="微軟正黑體" pitchFamily="34" charset="-120"/>
-                <a:ea typeface="微軟正黑體" pitchFamily="34" charset="-120"/>
-              </a:rPr>
-              <a:t>印記</a:t>
-            </a:r>
-            <a:endParaRPr lang="zh-TW" altLang="en-US" sz="5400" b="1" dirty="0">
+              <a:t>的印記</a:t>
+            </a:r>
+            <a:endParaRPr lang="zh-TW" altLang="en-US" sz="6400" b="1" dirty="0">
               <a:solidFill>
                 <a:srgbClr val="000066"/>
               </a:solidFill>
@@ -3469,10 +3624,22 @@
         </p:txBody>
       </p:sp>
     </p:spTree>
+    <p:extLst>
+      <p:ext uri="{BB962C8B-B14F-4D97-AF65-F5344CB8AC3E}">
+        <p14:creationId xmlns:p14="http://schemas.microsoft.com/office/powerpoint/2010/main" val="604844871"/>
+      </p:ext>
+    </p:extLst>
   </p:cSld>
   <p:clrMapOvr>
     <a:masterClrMapping/>
   </p:clrMapOvr>
+  <p:timing>
+    <p:tnLst>
+      <p:par>
+        <p:cTn id="1" dur="indefinite" restart="never" nodeType="tmRoot"/>
+      </p:par>
+    </p:tnLst>
+  </p:timing>
 </p:sld>
 </file>
 

--- a/安靜(崇拜版).pptx
+++ b/安靜(崇拜版).pptx
@@ -308,7 +308,7 @@
           <a:p>
             <a:fld id="{B4A29A6A-427F-4B19-8281-5DE5E0B60C4E}" type="datetimeFigureOut">
               <a:rPr lang="zh-TW" altLang="en-US" smtClean="0"/>
-              <a:t>2020/12/24</a:t>
+              <a:t>2022/4/30</a:t>
             </a:fld>
             <a:endParaRPr lang="zh-TW" altLang="en-US"/>
           </a:p>
@@ -473,7 +473,7 @@
           <a:p>
             <a:fld id="{B4A29A6A-427F-4B19-8281-5DE5E0B60C4E}" type="datetimeFigureOut">
               <a:rPr lang="zh-TW" altLang="en-US" smtClean="0"/>
-              <a:t>2020/12/24</a:t>
+              <a:t>2022/4/30</a:t>
             </a:fld>
             <a:endParaRPr lang="zh-TW" altLang="en-US"/>
           </a:p>
@@ -648,7 +648,7 @@
           <a:p>
             <a:fld id="{B4A29A6A-427F-4B19-8281-5DE5E0B60C4E}" type="datetimeFigureOut">
               <a:rPr lang="zh-TW" altLang="en-US" smtClean="0"/>
-              <a:t>2020/12/24</a:t>
+              <a:t>2022/4/30</a:t>
             </a:fld>
             <a:endParaRPr lang="zh-TW" altLang="en-US"/>
           </a:p>
@@ -813,7 +813,7 @@
           <a:p>
             <a:fld id="{B4A29A6A-427F-4B19-8281-5DE5E0B60C4E}" type="datetimeFigureOut">
               <a:rPr lang="zh-TW" altLang="en-US" smtClean="0"/>
-              <a:t>2020/12/24</a:t>
+              <a:t>2022/4/30</a:t>
             </a:fld>
             <a:endParaRPr lang="zh-TW" altLang="en-US"/>
           </a:p>
@@ -1054,7 +1054,7 @@
           <a:p>
             <a:fld id="{B4A29A6A-427F-4B19-8281-5DE5E0B60C4E}" type="datetimeFigureOut">
               <a:rPr lang="zh-TW" altLang="en-US" smtClean="0"/>
-              <a:t>2020/12/24</a:t>
+              <a:t>2022/4/30</a:t>
             </a:fld>
             <a:endParaRPr lang="zh-TW" altLang="en-US"/>
           </a:p>
@@ -1337,7 +1337,7 @@
           <a:p>
             <a:fld id="{B4A29A6A-427F-4B19-8281-5DE5E0B60C4E}" type="datetimeFigureOut">
               <a:rPr lang="zh-TW" altLang="en-US" smtClean="0"/>
-              <a:t>2020/12/24</a:t>
+              <a:t>2022/4/30</a:t>
             </a:fld>
             <a:endParaRPr lang="zh-TW" altLang="en-US"/>
           </a:p>
@@ -1754,7 +1754,7 @@
           <a:p>
             <a:fld id="{B4A29A6A-427F-4B19-8281-5DE5E0B60C4E}" type="datetimeFigureOut">
               <a:rPr lang="zh-TW" altLang="en-US" smtClean="0"/>
-              <a:t>2020/12/24</a:t>
+              <a:t>2022/4/30</a:t>
             </a:fld>
             <a:endParaRPr lang="zh-TW" altLang="en-US"/>
           </a:p>
@@ -1867,7 +1867,7 @@
           <a:p>
             <a:fld id="{B4A29A6A-427F-4B19-8281-5DE5E0B60C4E}" type="datetimeFigureOut">
               <a:rPr lang="zh-TW" altLang="en-US" smtClean="0"/>
-              <a:t>2020/12/24</a:t>
+              <a:t>2022/4/30</a:t>
             </a:fld>
             <a:endParaRPr lang="zh-TW" altLang="en-US"/>
           </a:p>
@@ -1957,7 +1957,7 @@
           <a:p>
             <a:fld id="{B4A29A6A-427F-4B19-8281-5DE5E0B60C4E}" type="datetimeFigureOut">
               <a:rPr lang="zh-TW" altLang="en-US" smtClean="0"/>
-              <a:t>2020/12/24</a:t>
+              <a:t>2022/4/30</a:t>
             </a:fld>
             <a:endParaRPr lang="zh-TW" altLang="en-US"/>
           </a:p>
@@ -2229,7 +2229,7 @@
           <a:p>
             <a:fld id="{B4A29A6A-427F-4B19-8281-5DE5E0B60C4E}" type="datetimeFigureOut">
               <a:rPr lang="zh-TW" altLang="en-US" smtClean="0"/>
-              <a:t>2020/12/24</a:t>
+              <a:t>2022/4/30</a:t>
             </a:fld>
             <a:endParaRPr lang="zh-TW" altLang="en-US"/>
           </a:p>
@@ -2481,7 +2481,7 @@
           <a:p>
             <a:fld id="{B4A29A6A-427F-4B19-8281-5DE5E0B60C4E}" type="datetimeFigureOut">
               <a:rPr lang="zh-TW" altLang="en-US" smtClean="0"/>
-              <a:t>2020/12/24</a:t>
+              <a:t>2022/4/30</a:t>
             </a:fld>
             <a:endParaRPr lang="zh-TW" altLang="en-US"/>
           </a:p>
@@ -2694,7 +2694,7 @@
           <a:p>
             <a:fld id="{B4A29A6A-427F-4B19-8281-5DE5E0B60C4E}" type="datetimeFigureOut">
               <a:rPr lang="zh-TW" altLang="en-US" smtClean="0"/>
-              <a:t>2020/12/24</a:t>
+              <a:t>2022/4/30</a:t>
             </a:fld>
             <a:endParaRPr lang="zh-TW" altLang="en-US"/>
           </a:p>
@@ -3101,24 +3101,7 @@
                 <a:latin typeface="微軟正黑體" pitchFamily="34" charset="-120"/>
                 <a:ea typeface="微軟正黑體" pitchFamily="34" charset="-120"/>
               </a:rPr>
-              <a:t>安</a:t>
-            </a:r>
-            <a:r>
-              <a:rPr lang="zh-CN" altLang="en-US" sz="7200" b="1" i="1" dirty="0">
-                <a:solidFill>
-                  <a:srgbClr val="000066"/>
-                </a:solidFill>
-                <a:effectLst>
-                  <a:outerShdw blurRad="38100" dist="38100" dir="2700000" algn="tl">
-                    <a:srgbClr val="000000">
-                      <a:alpha val="43137"/>
-                    </a:srgbClr>
-                  </a:outerShdw>
-                </a:effectLst>
-                <a:latin typeface="微軟正黑體" pitchFamily="34" charset="-120"/>
-                <a:ea typeface="微軟正黑體" pitchFamily="34" charset="-120"/>
-              </a:rPr>
-              <a:t>靜</a:t>
+              <a:t>安靜</a:t>
             </a:r>
             <a:endParaRPr lang="zh-TW" altLang="en-US" sz="7200" b="1" i="1" dirty="0">
               <a:solidFill>
@@ -3261,6 +3244,84 @@
           </a:p>
         </p:txBody>
       </p:sp>
+      <p:sp>
+        <p:nvSpPr>
+          <p:cNvPr id="3" name="TextBox 2"/>
+          <p:cNvSpPr txBox="1"/>
+          <p:nvPr/>
+        </p:nvSpPr>
+        <p:spPr>
+          <a:xfrm>
+            <a:off x="0" y="5085184"/>
+            <a:ext cx="12192000" cy="769441"/>
+          </a:xfrm>
+          <a:prstGeom prst="rect">
+            <a:avLst/>
+          </a:prstGeom>
+          <a:noFill/>
+        </p:spPr>
+        <p:txBody>
+          <a:bodyPr wrap="square" rtlCol="0">
+            <a:spAutoFit/>
+          </a:bodyPr>
+          <a:lstStyle/>
+          <a:p>
+            <a:pPr algn="ctr"/>
+            <a:r>
+              <a:rPr lang="en-US" sz="4400" b="1" dirty="0">
+                <a:solidFill>
+                  <a:srgbClr val="000066"/>
+                </a:solidFill>
+                <a:effectLst/>
+                <a:latin typeface="Microsoft JhengHei" panose="020B0604030504040204" pitchFamily="34" charset="-120"/>
+                <a:ea typeface="Microsoft JhengHei" panose="020B0604030504040204" pitchFamily="34" charset="-120"/>
+              </a:rPr>
+              <a:t>( </a:t>
+            </a:r>
+            <a:r>
+              <a:rPr lang="zh-CN" altLang="en-US" sz="4400" b="1" dirty="0" smtClean="0">
+                <a:solidFill>
+                  <a:srgbClr val="000066"/>
+                </a:solidFill>
+                <a:effectLst/>
+                <a:latin typeface="Microsoft JhengHei" panose="020B0604030504040204" pitchFamily="34" charset="-120"/>
+                <a:ea typeface="Microsoft JhengHei" panose="020B0604030504040204" pitchFamily="34" charset="-120"/>
+              </a:rPr>
+              <a:t>正</a:t>
+            </a:r>
+            <a:r>
+              <a:rPr lang="en-US" sz="4400" b="1" dirty="0" smtClean="0">
+                <a:solidFill>
+                  <a:srgbClr val="000066"/>
+                </a:solidFill>
+                <a:effectLst/>
+                <a:latin typeface="Microsoft JhengHei" panose="020B0604030504040204" pitchFamily="34" charset="-120"/>
+                <a:ea typeface="Microsoft JhengHei" panose="020B0604030504040204" pitchFamily="34" charset="-120"/>
+              </a:rPr>
+              <a:t> </a:t>
+            </a:r>
+            <a:r>
+              <a:rPr lang="en-US" sz="4400" b="1" dirty="0">
+                <a:solidFill>
+                  <a:srgbClr val="000066"/>
+                </a:solidFill>
+                <a:effectLst/>
+                <a:latin typeface="Microsoft JhengHei" panose="020B0604030504040204" pitchFamily="34" charset="-120"/>
+                <a:ea typeface="Microsoft JhengHei" panose="020B0604030504040204" pitchFamily="34" charset="-120"/>
+              </a:rPr>
+              <a:t>)</a:t>
+            </a:r>
+            <a:endParaRPr lang="vi-VN" sz="4400" b="1" dirty="0">
+              <a:solidFill>
+                <a:srgbClr val="000066"/>
+              </a:solidFill>
+              <a:effectLst/>
+              <a:latin typeface="Microsoft JhengHei" panose="020B0604030504040204" pitchFamily="34" charset="-120"/>
+              <a:ea typeface="Microsoft JhengHei" panose="020B0604030504040204" pitchFamily="34" charset="-120"/>
+            </a:endParaRPr>
+          </a:p>
+        </p:txBody>
+      </p:sp>
     </p:spTree>
     <p:extLst>
       <p:ext uri="{BB962C8B-B14F-4D97-AF65-F5344CB8AC3E}">
@@ -3375,12 +3436,83 @@
               </a:rPr>
               <a:t>使風浪平息</a:t>
             </a:r>
-            <a:endParaRPr lang="zh-TW" altLang="en-US" sz="6400" b="1" dirty="0">
+          </a:p>
+        </p:txBody>
+      </p:sp>
+      <p:sp>
+        <p:nvSpPr>
+          <p:cNvPr id="3" name="TextBox 2"/>
+          <p:cNvSpPr txBox="1"/>
+          <p:nvPr/>
+        </p:nvSpPr>
+        <p:spPr>
+          <a:xfrm>
+            <a:off x="0" y="5085184"/>
+            <a:ext cx="12192000" cy="769441"/>
+          </a:xfrm>
+          <a:prstGeom prst="rect">
+            <a:avLst/>
+          </a:prstGeom>
+          <a:noFill/>
+        </p:spPr>
+        <p:txBody>
+          <a:bodyPr wrap="square" rtlCol="0">
+            <a:spAutoFit/>
+          </a:bodyPr>
+          <a:lstStyle/>
+          <a:p>
+            <a:pPr algn="ctr"/>
+            <a:r>
+              <a:rPr lang="en-US" sz="4400" b="1" dirty="0">
+                <a:solidFill>
+                  <a:srgbClr val="000066"/>
+                </a:solidFill>
+                <a:effectLst/>
+                <a:latin typeface="Microsoft JhengHei" panose="020B0604030504040204" pitchFamily="34" charset="-120"/>
+                <a:ea typeface="Microsoft JhengHei" panose="020B0604030504040204" pitchFamily="34" charset="-120"/>
+              </a:rPr>
+              <a:t>( </a:t>
+            </a:r>
+            <a:r>
+              <a:rPr lang="zh-CN" altLang="en-US" sz="4400" b="1" dirty="0" smtClean="0">
+                <a:solidFill>
+                  <a:srgbClr val="000066"/>
+                </a:solidFill>
+                <a:effectLst/>
+                <a:latin typeface="Microsoft JhengHei" panose="020B0604030504040204" pitchFamily="34" charset="-120"/>
+                <a:ea typeface="Microsoft JhengHei" panose="020B0604030504040204" pitchFamily="34" charset="-120"/>
+              </a:rPr>
+              <a:t>正</a:t>
+            </a:r>
+            <a:r>
+              <a:rPr lang="en-US" sz="4400" b="1" dirty="0" smtClean="0">
+                <a:solidFill>
+                  <a:srgbClr val="000066"/>
+                </a:solidFill>
+                <a:effectLst/>
+                <a:latin typeface="Microsoft JhengHei" panose="020B0604030504040204" pitchFamily="34" charset="-120"/>
+                <a:ea typeface="Microsoft JhengHei" panose="020B0604030504040204" pitchFamily="34" charset="-120"/>
+              </a:rPr>
+              <a:t> </a:t>
+            </a:r>
+            <a:r>
+              <a:rPr lang="en-US" sz="4400" b="1" dirty="0">
+                <a:solidFill>
+                  <a:srgbClr val="000066"/>
+                </a:solidFill>
+                <a:effectLst/>
+                <a:latin typeface="Microsoft JhengHei" panose="020B0604030504040204" pitchFamily="34" charset="-120"/>
+                <a:ea typeface="Microsoft JhengHei" panose="020B0604030504040204" pitchFamily="34" charset="-120"/>
+              </a:rPr>
+              <a:t>)</a:t>
+            </a:r>
+            <a:endParaRPr lang="vi-VN" sz="4400" b="1" dirty="0">
               <a:solidFill>
                 <a:srgbClr val="000066"/>
               </a:solidFill>
-              <a:latin typeface="微軟正黑體" pitchFamily="34" charset="-120"/>
-              <a:ea typeface="微軟正黑體" pitchFamily="34" charset="-120"/>
+              <a:effectLst/>
+              <a:latin typeface="Microsoft JhengHei" panose="020B0604030504040204" pitchFamily="34" charset="-120"/>
+              <a:ea typeface="Microsoft JhengHei" panose="020B0604030504040204" pitchFamily="34" charset="-120"/>
             </a:endParaRPr>
           </a:p>
         </p:txBody>
@@ -3499,6 +3631,84 @@
           </a:p>
         </p:txBody>
       </p:sp>
+      <p:sp>
+        <p:nvSpPr>
+          <p:cNvPr id="3" name="TextBox 2"/>
+          <p:cNvSpPr txBox="1"/>
+          <p:nvPr/>
+        </p:nvSpPr>
+        <p:spPr>
+          <a:xfrm>
+            <a:off x="0" y="5085184"/>
+            <a:ext cx="12192000" cy="769441"/>
+          </a:xfrm>
+          <a:prstGeom prst="rect">
+            <a:avLst/>
+          </a:prstGeom>
+          <a:noFill/>
+        </p:spPr>
+        <p:txBody>
+          <a:bodyPr wrap="square" rtlCol="0">
+            <a:spAutoFit/>
+          </a:bodyPr>
+          <a:lstStyle/>
+          <a:p>
+            <a:pPr algn="ctr"/>
+            <a:r>
+              <a:rPr lang="en-US" sz="4400" b="1" dirty="0">
+                <a:solidFill>
+                  <a:srgbClr val="000066"/>
+                </a:solidFill>
+                <a:effectLst/>
+                <a:latin typeface="Microsoft JhengHei" panose="020B0604030504040204" pitchFamily="34" charset="-120"/>
+                <a:ea typeface="Microsoft JhengHei" panose="020B0604030504040204" pitchFamily="34" charset="-120"/>
+              </a:rPr>
+              <a:t>( </a:t>
+            </a:r>
+            <a:r>
+              <a:rPr lang="zh-CN" altLang="en-US" sz="4400" b="1" dirty="0" smtClean="0">
+                <a:solidFill>
+                  <a:srgbClr val="000066"/>
+                </a:solidFill>
+                <a:effectLst/>
+                <a:latin typeface="Microsoft JhengHei" panose="020B0604030504040204" pitchFamily="34" charset="-120"/>
+                <a:ea typeface="Microsoft JhengHei" panose="020B0604030504040204" pitchFamily="34" charset="-120"/>
+              </a:rPr>
+              <a:t>副</a:t>
+            </a:r>
+            <a:r>
+              <a:rPr lang="en-US" sz="4400" b="1" dirty="0" smtClean="0">
+                <a:solidFill>
+                  <a:srgbClr val="000066"/>
+                </a:solidFill>
+                <a:effectLst/>
+                <a:latin typeface="Microsoft JhengHei" panose="020B0604030504040204" pitchFamily="34" charset="-120"/>
+                <a:ea typeface="Microsoft JhengHei" panose="020B0604030504040204" pitchFamily="34" charset="-120"/>
+              </a:rPr>
+              <a:t> </a:t>
+            </a:r>
+            <a:r>
+              <a:rPr lang="en-US" sz="4400" b="1" dirty="0">
+                <a:solidFill>
+                  <a:srgbClr val="000066"/>
+                </a:solidFill>
+                <a:effectLst/>
+                <a:latin typeface="Microsoft JhengHei" panose="020B0604030504040204" pitchFamily="34" charset="-120"/>
+                <a:ea typeface="Microsoft JhengHei" panose="020B0604030504040204" pitchFamily="34" charset="-120"/>
+              </a:rPr>
+              <a:t>)</a:t>
+            </a:r>
+            <a:endParaRPr lang="vi-VN" sz="4400" b="1" dirty="0">
+              <a:solidFill>
+                <a:srgbClr val="000066"/>
+              </a:solidFill>
+              <a:effectLst/>
+              <a:latin typeface="Microsoft JhengHei" panose="020B0604030504040204" pitchFamily="34" charset="-120"/>
+              <a:ea typeface="Microsoft JhengHei" panose="020B0604030504040204" pitchFamily="34" charset="-120"/>
+            </a:endParaRPr>
+          </a:p>
+        </p:txBody>
+      </p:sp>
     </p:spTree>
     <p:extLst>
       <p:ext uri="{BB962C8B-B14F-4D97-AF65-F5344CB8AC3E}">
@@ -3613,12 +3823,83 @@
               </a:rPr>
               <a:t>的印記</a:t>
             </a:r>
-            <a:endParaRPr lang="zh-TW" altLang="en-US" sz="6400" b="1" dirty="0">
+          </a:p>
+        </p:txBody>
+      </p:sp>
+      <p:sp>
+        <p:nvSpPr>
+          <p:cNvPr id="3" name="TextBox 2"/>
+          <p:cNvSpPr txBox="1"/>
+          <p:nvPr/>
+        </p:nvSpPr>
+        <p:spPr>
+          <a:xfrm>
+            <a:off x="0" y="5085184"/>
+            <a:ext cx="12192000" cy="769441"/>
+          </a:xfrm>
+          <a:prstGeom prst="rect">
+            <a:avLst/>
+          </a:prstGeom>
+          <a:noFill/>
+        </p:spPr>
+        <p:txBody>
+          <a:bodyPr wrap="square" rtlCol="0">
+            <a:spAutoFit/>
+          </a:bodyPr>
+          <a:lstStyle/>
+          <a:p>
+            <a:pPr algn="ctr"/>
+            <a:r>
+              <a:rPr lang="en-US" sz="4400" b="1" dirty="0">
+                <a:solidFill>
+                  <a:srgbClr val="000066"/>
+                </a:solidFill>
+                <a:effectLst/>
+                <a:latin typeface="Microsoft JhengHei" panose="020B0604030504040204" pitchFamily="34" charset="-120"/>
+                <a:ea typeface="Microsoft JhengHei" panose="020B0604030504040204" pitchFamily="34" charset="-120"/>
+              </a:rPr>
+              <a:t>( </a:t>
+            </a:r>
+            <a:r>
+              <a:rPr lang="zh-CN" altLang="en-US" sz="4400" b="1" dirty="0" smtClean="0">
+                <a:solidFill>
+                  <a:srgbClr val="000066"/>
+                </a:solidFill>
+                <a:effectLst/>
+                <a:latin typeface="Microsoft JhengHei" panose="020B0604030504040204" pitchFamily="34" charset="-120"/>
+                <a:ea typeface="Microsoft JhengHei" panose="020B0604030504040204" pitchFamily="34" charset="-120"/>
+              </a:rPr>
+              <a:t>副</a:t>
+            </a:r>
+            <a:r>
+              <a:rPr lang="en-US" sz="4400" b="1" dirty="0" smtClean="0">
+                <a:solidFill>
+                  <a:srgbClr val="000066"/>
+                </a:solidFill>
+                <a:effectLst/>
+                <a:latin typeface="Microsoft JhengHei" panose="020B0604030504040204" pitchFamily="34" charset="-120"/>
+                <a:ea typeface="Microsoft JhengHei" panose="020B0604030504040204" pitchFamily="34" charset="-120"/>
+              </a:rPr>
+              <a:t> </a:t>
+            </a:r>
+            <a:r>
+              <a:rPr lang="en-US" sz="4400" b="1" dirty="0">
+                <a:solidFill>
+                  <a:srgbClr val="000066"/>
+                </a:solidFill>
+                <a:effectLst/>
+                <a:latin typeface="Microsoft JhengHei" panose="020B0604030504040204" pitchFamily="34" charset="-120"/>
+                <a:ea typeface="Microsoft JhengHei" panose="020B0604030504040204" pitchFamily="34" charset="-120"/>
+              </a:rPr>
+              <a:t>)</a:t>
+            </a:r>
+            <a:endParaRPr lang="vi-VN" sz="4400" b="1" dirty="0">
               <a:solidFill>
                 <a:srgbClr val="000066"/>
               </a:solidFill>
-              <a:latin typeface="微軟正黑體" pitchFamily="34" charset="-120"/>
-              <a:ea typeface="微軟正黑體" pitchFamily="34" charset="-120"/>
+              <a:effectLst/>
+              <a:latin typeface="Microsoft JhengHei" panose="020B0604030504040204" pitchFamily="34" charset="-120"/>
+              <a:ea typeface="Microsoft JhengHei" panose="020B0604030504040204" pitchFamily="34" charset="-120"/>
             </a:endParaRPr>
           </a:p>
         </p:txBody>

--- a/安靜(崇拜版).pptx
+++ b/安靜(崇拜版).pptx
@@ -308,7 +308,7 @@
           <a:p>
             <a:fld id="{B4A29A6A-427F-4B19-8281-5DE5E0B60C4E}" type="datetimeFigureOut">
               <a:rPr lang="zh-TW" altLang="en-US" smtClean="0"/>
-              <a:t>2022/4/30</a:t>
+              <a:t>2023/8/12</a:t>
             </a:fld>
             <a:endParaRPr lang="zh-TW" altLang="en-US"/>
           </a:p>
@@ -473,7 +473,7 @@
           <a:p>
             <a:fld id="{B4A29A6A-427F-4B19-8281-5DE5E0B60C4E}" type="datetimeFigureOut">
               <a:rPr lang="zh-TW" altLang="en-US" smtClean="0"/>
-              <a:t>2022/4/30</a:t>
+              <a:t>2023/8/12</a:t>
             </a:fld>
             <a:endParaRPr lang="zh-TW" altLang="en-US"/>
           </a:p>
@@ -648,7 +648,7 @@
           <a:p>
             <a:fld id="{B4A29A6A-427F-4B19-8281-5DE5E0B60C4E}" type="datetimeFigureOut">
               <a:rPr lang="zh-TW" altLang="en-US" smtClean="0"/>
-              <a:t>2022/4/30</a:t>
+              <a:t>2023/8/12</a:t>
             </a:fld>
             <a:endParaRPr lang="zh-TW" altLang="en-US"/>
           </a:p>
@@ -813,7 +813,7 @@
           <a:p>
             <a:fld id="{B4A29A6A-427F-4B19-8281-5DE5E0B60C4E}" type="datetimeFigureOut">
               <a:rPr lang="zh-TW" altLang="en-US" smtClean="0"/>
-              <a:t>2022/4/30</a:t>
+              <a:t>2023/8/12</a:t>
             </a:fld>
             <a:endParaRPr lang="zh-TW" altLang="en-US"/>
           </a:p>
@@ -1054,7 +1054,7 @@
           <a:p>
             <a:fld id="{B4A29A6A-427F-4B19-8281-5DE5E0B60C4E}" type="datetimeFigureOut">
               <a:rPr lang="zh-TW" altLang="en-US" smtClean="0"/>
-              <a:t>2022/4/30</a:t>
+              <a:t>2023/8/12</a:t>
             </a:fld>
             <a:endParaRPr lang="zh-TW" altLang="en-US"/>
           </a:p>
@@ -1337,7 +1337,7 @@
           <a:p>
             <a:fld id="{B4A29A6A-427F-4B19-8281-5DE5E0B60C4E}" type="datetimeFigureOut">
               <a:rPr lang="zh-TW" altLang="en-US" smtClean="0"/>
-              <a:t>2022/4/30</a:t>
+              <a:t>2023/8/12</a:t>
             </a:fld>
             <a:endParaRPr lang="zh-TW" altLang="en-US"/>
           </a:p>
@@ -1754,7 +1754,7 @@
           <a:p>
             <a:fld id="{B4A29A6A-427F-4B19-8281-5DE5E0B60C4E}" type="datetimeFigureOut">
               <a:rPr lang="zh-TW" altLang="en-US" smtClean="0"/>
-              <a:t>2022/4/30</a:t>
+              <a:t>2023/8/12</a:t>
             </a:fld>
             <a:endParaRPr lang="zh-TW" altLang="en-US"/>
           </a:p>
@@ -1867,7 +1867,7 @@
           <a:p>
             <a:fld id="{B4A29A6A-427F-4B19-8281-5DE5E0B60C4E}" type="datetimeFigureOut">
               <a:rPr lang="zh-TW" altLang="en-US" smtClean="0"/>
-              <a:t>2022/4/30</a:t>
+              <a:t>2023/8/12</a:t>
             </a:fld>
             <a:endParaRPr lang="zh-TW" altLang="en-US"/>
           </a:p>
@@ -1957,7 +1957,7 @@
           <a:p>
             <a:fld id="{B4A29A6A-427F-4B19-8281-5DE5E0B60C4E}" type="datetimeFigureOut">
               <a:rPr lang="zh-TW" altLang="en-US" smtClean="0"/>
-              <a:t>2022/4/30</a:t>
+              <a:t>2023/8/12</a:t>
             </a:fld>
             <a:endParaRPr lang="zh-TW" altLang="en-US"/>
           </a:p>
@@ -2229,7 +2229,7 @@
           <a:p>
             <a:fld id="{B4A29A6A-427F-4B19-8281-5DE5E0B60C4E}" type="datetimeFigureOut">
               <a:rPr lang="zh-TW" altLang="en-US" smtClean="0"/>
-              <a:t>2022/4/30</a:t>
+              <a:t>2023/8/12</a:t>
             </a:fld>
             <a:endParaRPr lang="zh-TW" altLang="en-US"/>
           </a:p>
@@ -2481,7 +2481,7 @@
           <a:p>
             <a:fld id="{B4A29A6A-427F-4B19-8281-5DE5E0B60C4E}" type="datetimeFigureOut">
               <a:rPr lang="zh-TW" altLang="en-US" smtClean="0"/>
-              <a:t>2022/4/30</a:t>
+              <a:t>2023/8/12</a:t>
             </a:fld>
             <a:endParaRPr lang="zh-TW" altLang="en-US"/>
           </a:p>
@@ -2694,7 +2694,7 @@
           <a:p>
             <a:fld id="{B4A29A6A-427F-4B19-8281-5DE5E0B60C4E}" type="datetimeFigureOut">
               <a:rPr lang="zh-TW" altLang="en-US" smtClean="0"/>
-              <a:t>2022/4/30</a:t>
+              <a:t>2023/8/12</a:t>
             </a:fld>
             <a:endParaRPr lang="zh-TW" altLang="en-US"/>
           </a:p>
@@ -3212,27 +3212,47 @@
                 <a:latin typeface="微軟正黑體" pitchFamily="34" charset="-120"/>
                 <a:ea typeface="微軟正黑體" pitchFamily="34" charset="-120"/>
               </a:rPr>
-              <a:t>深深知道</a:t>
-            </a:r>
-            <a:r>
-              <a:rPr lang="zh-CN" altLang="en-US" sz="6400" b="1" dirty="0">
+              <a:t>深深知</a:t>
+            </a:r>
+            <a:r>
+              <a:rPr lang="zh-TW" altLang="en-US" sz="6400" b="1" dirty="0" smtClean="0">
                 <a:solidFill>
                   <a:srgbClr val="000066"/>
                 </a:solidFill>
                 <a:latin typeface="微軟正黑體" pitchFamily="34" charset="-120"/>
                 <a:ea typeface="微軟正黑體" pitchFamily="34" charset="-120"/>
               </a:rPr>
-              <a:t>袮</a:t>
-            </a:r>
-            <a:r>
-              <a:rPr lang="zh-TW" altLang="en-US" sz="6400" b="1" dirty="0">
+              <a:t>道</a:t>
+            </a:r>
+            <a:r>
+              <a:rPr lang="zh-CN" altLang="en-US" sz="6400" b="1" dirty="0" smtClean="0">
                 <a:solidFill>
                   <a:srgbClr val="000066"/>
                 </a:solidFill>
                 <a:latin typeface="微軟正黑體" pitchFamily="34" charset="-120"/>
                 <a:ea typeface="微軟正黑體" pitchFamily="34" charset="-120"/>
               </a:rPr>
-              <a:t>是我的神</a:t>
+              <a:t>祢</a:t>
+            </a:r>
+            <a:r>
+              <a:rPr lang="zh-TW" altLang="en-US" sz="6400" b="1" dirty="0" smtClean="0">
+                <a:solidFill>
+                  <a:srgbClr val="000066"/>
+                </a:solidFill>
+                <a:latin typeface="微軟正黑體" pitchFamily="34" charset="-120"/>
+                <a:ea typeface="微軟正黑體" pitchFamily="34" charset="-120"/>
+              </a:rPr>
+              <a:t>是</a:t>
+            </a:r>
+            <a:r>
+              <a:rPr lang="zh-TW" altLang="en-US" sz="6400" b="1" dirty="0">
+                <a:solidFill>
+                  <a:srgbClr val="000066"/>
+                </a:solidFill>
+                <a:latin typeface="微軟正黑體" pitchFamily="34" charset="-120"/>
+                <a:ea typeface="微軟正黑體" pitchFamily="34" charset="-120"/>
+              </a:rPr>
+              <a:t>我的神</a:t>
             </a:r>
             <a:endParaRPr lang="en-US" altLang="zh-TW" sz="6400" b="1" dirty="0">
               <a:solidFill>
@@ -3414,27 +3434,47 @@
                 <a:latin typeface="微軟正黑體" pitchFamily="34" charset="-120"/>
                 <a:ea typeface="微軟正黑體" pitchFamily="34" charset="-120"/>
               </a:rPr>
-              <a:t>在我身旁</a:t>
-            </a:r>
-            <a:r>
-              <a:rPr lang="zh-CN" altLang="en-US" sz="6400" b="1" dirty="0">
+              <a:t>在我身</a:t>
+            </a:r>
+            <a:r>
+              <a:rPr lang="zh-TW" altLang="en-US" sz="6400" b="1" dirty="0" smtClean="0">
                 <a:solidFill>
                   <a:srgbClr val="000066"/>
                 </a:solidFill>
                 <a:latin typeface="微軟正黑體" pitchFamily="34" charset="-120"/>
                 <a:ea typeface="微軟正黑體" pitchFamily="34" charset="-120"/>
               </a:rPr>
-              <a:t>袮</a:t>
-            </a:r>
-            <a:r>
-              <a:rPr lang="zh-TW" altLang="en-US" sz="6400" b="1" dirty="0">
+              <a:t>旁</a:t>
+            </a:r>
+            <a:r>
+              <a:rPr lang="zh-CN" altLang="en-US" sz="6400" b="1" dirty="0" smtClean="0">
                 <a:solidFill>
                   <a:srgbClr val="000066"/>
                 </a:solidFill>
                 <a:latin typeface="微軟正黑體" pitchFamily="34" charset="-120"/>
                 <a:ea typeface="微軟正黑體" pitchFamily="34" charset="-120"/>
               </a:rPr>
-              <a:t>使風浪平息</a:t>
+              <a:t>祢</a:t>
+            </a:r>
+            <a:r>
+              <a:rPr lang="zh-TW" altLang="en-US" sz="6400" b="1" dirty="0" smtClean="0">
+                <a:solidFill>
+                  <a:srgbClr val="000066"/>
+                </a:solidFill>
+                <a:latin typeface="微軟正黑體" pitchFamily="34" charset="-120"/>
+                <a:ea typeface="微軟正黑體" pitchFamily="34" charset="-120"/>
+              </a:rPr>
+              <a:t>使</a:t>
+            </a:r>
+            <a:r>
+              <a:rPr lang="zh-TW" altLang="en-US" sz="6400" b="1" dirty="0">
+                <a:solidFill>
+                  <a:srgbClr val="000066"/>
+                </a:solidFill>
+                <a:latin typeface="微軟正黑體" pitchFamily="34" charset="-120"/>
+                <a:ea typeface="微軟正黑體" pitchFamily="34" charset="-120"/>
+              </a:rPr>
+              <a:t>風浪平息</a:t>
             </a:r>
           </a:p>
         </p:txBody>
@@ -3602,24 +3642,34 @@
               <a:buNone/>
             </a:pPr>
             <a:r>
-              <a:rPr lang="zh-CN" altLang="en-US" sz="6400" b="1" dirty="0">
+              <a:rPr lang="zh-CN" altLang="en-US" sz="6400" b="1" dirty="0" smtClean="0">
                 <a:solidFill>
                   <a:srgbClr val="000066"/>
                 </a:solidFill>
                 <a:latin typeface="微軟正黑體" pitchFamily="34" charset="-120"/>
                 <a:ea typeface="微軟正黑體" pitchFamily="34" charset="-120"/>
               </a:rPr>
-              <a:t>袮</a:t>
-            </a:r>
-            <a:r>
-              <a:rPr lang="zh-TW" altLang="en-US" sz="6400" b="1" dirty="0">
+              <a:t>祢</a:t>
+            </a:r>
+            <a:r>
+              <a:rPr lang="zh-TW" altLang="en-US" sz="6400" b="1" dirty="0" smtClean="0">
                 <a:solidFill>
                   <a:srgbClr val="000066"/>
                 </a:solidFill>
                 <a:latin typeface="微軟正黑體" pitchFamily="34" charset="-120"/>
                 <a:ea typeface="微軟正黑體" pitchFamily="34" charset="-120"/>
               </a:rPr>
-              <a:t>陪我走向應許之處</a:t>
+              <a:t>陪</a:t>
+            </a:r>
+            <a:r>
+              <a:rPr lang="zh-TW" altLang="en-US" sz="6400" b="1" dirty="0">
+                <a:solidFill>
+                  <a:srgbClr val="000066"/>
+                </a:solidFill>
+                <a:latin typeface="微軟正黑體" pitchFamily="34" charset="-120"/>
+                <a:ea typeface="微軟正黑體" pitchFamily="34" charset="-120"/>
+              </a:rPr>
+              <a:t>我走向應許之處</a:t>
             </a:r>
             <a:endParaRPr lang="en-US" altLang="zh-TW" sz="6400" b="1" dirty="0">
               <a:solidFill>
@@ -3801,27 +3851,47 @@
                 <a:latin typeface="微軟正黑體" pitchFamily="34" charset="-120"/>
                 <a:ea typeface="微軟正黑體" pitchFamily="34" charset="-120"/>
               </a:rPr>
-              <a:t>生命滿有</a:t>
-            </a:r>
-            <a:r>
-              <a:rPr lang="zh-CN" altLang="en-US" sz="6400" b="1" dirty="0">
+              <a:t>生命滿</a:t>
+            </a:r>
+            <a:r>
+              <a:rPr lang="zh-TW" altLang="en-US" sz="6400" b="1" dirty="0" smtClean="0">
                 <a:solidFill>
                   <a:srgbClr val="000066"/>
                 </a:solidFill>
                 <a:latin typeface="微軟正黑體" pitchFamily="34" charset="-120"/>
                 <a:ea typeface="微軟正黑體" pitchFamily="34" charset="-120"/>
               </a:rPr>
-              <a:t>袮</a:t>
-            </a:r>
-            <a:r>
-              <a:rPr lang="zh-TW" altLang="en-US" sz="6400" b="1" dirty="0">
+              <a:t>有</a:t>
+            </a:r>
+            <a:r>
+              <a:rPr lang="zh-CN" altLang="en-US" sz="6400" b="1" dirty="0" smtClean="0">
                 <a:solidFill>
                   <a:srgbClr val="000066"/>
                 </a:solidFill>
                 <a:latin typeface="微軟正黑體" pitchFamily="34" charset="-120"/>
                 <a:ea typeface="微軟正黑體" pitchFamily="34" charset="-120"/>
               </a:rPr>
-              <a:t>的印記</a:t>
+              <a:t>祢</a:t>
+            </a:r>
+            <a:r>
+              <a:rPr lang="zh-TW" altLang="en-US" sz="6400" b="1" dirty="0" smtClean="0">
+                <a:solidFill>
+                  <a:srgbClr val="000066"/>
+                </a:solidFill>
+                <a:latin typeface="微軟正黑體" pitchFamily="34" charset="-120"/>
+                <a:ea typeface="微軟正黑體" pitchFamily="34" charset="-120"/>
+              </a:rPr>
+              <a:t>的</a:t>
+            </a:r>
+            <a:r>
+              <a:rPr lang="zh-TW" altLang="en-US" sz="6400" b="1" dirty="0">
+                <a:solidFill>
+                  <a:srgbClr val="000066"/>
+                </a:solidFill>
+                <a:latin typeface="微軟正黑體" pitchFamily="34" charset="-120"/>
+                <a:ea typeface="微軟正黑體" pitchFamily="34" charset="-120"/>
+              </a:rPr>
+              <a:t>印記</a:t>
             </a:r>
           </a:p>
         </p:txBody>
